--- a/Sesión 1 - GIT/A1. Introducción.pptx
+++ b/Sesión 1 - GIT/A1. Introducción.pptx
@@ -5,7 +5,7 @@
     <p:sldMasterId id="2147483663" r:id="rId1"/>
   </p:sldMasterIdLst>
   <p:notesMasterIdLst>
-    <p:notesMasterId r:id="rId19"/>
+    <p:notesMasterId r:id="rId20"/>
   </p:notesMasterIdLst>
   <p:sldIdLst>
     <p:sldId id="298" r:id="rId2"/>
@@ -25,6 +25,7 @@
     <p:sldId id="305" r:id="rId16"/>
     <p:sldId id="306" r:id="rId17"/>
     <p:sldId id="307" r:id="rId18"/>
+    <p:sldId id="317" r:id="rId19"/>
   </p:sldIdLst>
   <p:sldSz cx="12192000" cy="6858000"/>
   <p:notesSz cx="6858000" cy="9144000"/>
@@ -634,7 +635,7 @@
           </a:lstStyle>
           <a:p>
             <a:r>
-              <a:rPr lang="es-ES" smtClean="0"/>
+              <a:rPr lang="es-ES"/>
               <a:t>Haga clic para modificar el estilo de título del patrón</a:t>
             </a:r>
             <a:endParaRPr lang="en-US" dirty="0"/>
@@ -706,7 +707,7 @@
           </a:lstStyle>
           <a:p>
             <a:r>
-              <a:rPr lang="es-ES" smtClean="0"/>
+              <a:rPr lang="es-ES"/>
               <a:t>Haga clic para editar el estilo de subtítulo del patrón</a:t>
             </a:r>
             <a:endParaRPr lang="en-US" dirty="0"/>
@@ -730,7 +731,7 @@
           <a:p>
             <a:fld id="{1746D715-F302-4AEE-84BA-8B184C0E583B}" type="datetimeFigureOut">
               <a:rPr lang="es-CO" smtClean="0"/>
-              <a:t>15/01/2020</a:t>
+              <a:t>24/07/20</a:t>
             </a:fld>
             <a:endParaRPr lang="es-CO"/>
           </a:p>
@@ -772,7 +773,7 @@
           <a:p>
             <a:fld id="{19274467-91A6-4BBE-9E77-4CCEB30A9719}" type="slidenum">
               <a:rPr lang="es-CO" smtClean="0"/>
-              <a:t>‹Nº›</a:t>
+              <a:t>‹#›</a:t>
             </a:fld>
             <a:endParaRPr lang="es-CO"/>
           </a:p>
@@ -862,7 +863,7 @@
           <a:lstStyle/>
           <a:p>
             <a:r>
-              <a:rPr lang="es-ES" smtClean="0"/>
+              <a:rPr lang="es-ES"/>
               <a:t>Haga clic para modificar el estilo de título del patrón</a:t>
             </a:r>
             <a:endParaRPr lang="en-US" dirty="0"/>
@@ -886,35 +887,35 @@
           <a:p>
             <a:pPr lvl="0"/>
             <a:r>
-              <a:rPr lang="es-ES" smtClean="0"/>
+              <a:rPr lang="es-ES"/>
               <a:t>Editar el estilo de texto del patrón</a:t>
             </a:r>
           </a:p>
           <a:p>
             <a:pPr lvl="1"/>
             <a:r>
-              <a:rPr lang="es-ES" smtClean="0"/>
+              <a:rPr lang="es-ES"/>
               <a:t>Segundo nivel</a:t>
             </a:r>
           </a:p>
           <a:p>
             <a:pPr lvl="2"/>
             <a:r>
-              <a:rPr lang="es-ES" smtClean="0"/>
+              <a:rPr lang="es-ES"/>
               <a:t>Tercer nivel</a:t>
             </a:r>
           </a:p>
           <a:p>
             <a:pPr lvl="3"/>
             <a:r>
-              <a:rPr lang="es-ES" smtClean="0"/>
+              <a:rPr lang="es-ES"/>
               <a:t>Cuarto nivel</a:t>
             </a:r>
           </a:p>
           <a:p>
             <a:pPr lvl="4"/>
             <a:r>
-              <a:rPr lang="es-ES" smtClean="0"/>
+              <a:rPr lang="es-ES"/>
               <a:t>Quinto nivel</a:t>
             </a:r>
             <a:endParaRPr lang="en-US" dirty="0"/>
@@ -938,7 +939,7 @@
           <a:p>
             <a:fld id="{1746D715-F302-4AEE-84BA-8B184C0E583B}" type="datetimeFigureOut">
               <a:rPr lang="es-CO" smtClean="0"/>
-              <a:t>15/01/2020</a:t>
+              <a:t>24/07/20</a:t>
             </a:fld>
             <a:endParaRPr lang="es-CO"/>
           </a:p>
@@ -980,7 +981,7 @@
           <a:p>
             <a:fld id="{19274467-91A6-4BBE-9E77-4CCEB30A9719}" type="slidenum">
               <a:rPr lang="es-CO" smtClean="0"/>
-              <a:t>‹Nº›</a:t>
+              <a:t>‹#›</a:t>
             </a:fld>
             <a:endParaRPr lang="es-CO"/>
           </a:p>
@@ -1114,7 +1115,7 @@
           <a:lstStyle/>
           <a:p>
             <a:r>
-              <a:rPr lang="es-ES" smtClean="0"/>
+              <a:rPr lang="es-ES"/>
               <a:t>Haga clic para modificar el estilo de título del patrón</a:t>
             </a:r>
             <a:endParaRPr lang="en-US" dirty="0"/>
@@ -1143,35 +1144,35 @@
           <a:p>
             <a:pPr lvl="0"/>
             <a:r>
-              <a:rPr lang="es-ES" smtClean="0"/>
+              <a:rPr lang="es-ES"/>
               <a:t>Editar el estilo de texto del patrón</a:t>
             </a:r>
           </a:p>
           <a:p>
             <a:pPr lvl="1"/>
             <a:r>
-              <a:rPr lang="es-ES" smtClean="0"/>
+              <a:rPr lang="es-ES"/>
               <a:t>Segundo nivel</a:t>
             </a:r>
           </a:p>
           <a:p>
             <a:pPr lvl="2"/>
             <a:r>
-              <a:rPr lang="es-ES" smtClean="0"/>
+              <a:rPr lang="es-ES"/>
               <a:t>Tercer nivel</a:t>
             </a:r>
           </a:p>
           <a:p>
             <a:pPr lvl="3"/>
             <a:r>
-              <a:rPr lang="es-ES" smtClean="0"/>
+              <a:rPr lang="es-ES"/>
               <a:t>Cuarto nivel</a:t>
             </a:r>
           </a:p>
           <a:p>
             <a:pPr lvl="4"/>
             <a:r>
-              <a:rPr lang="es-ES" smtClean="0"/>
+              <a:rPr lang="es-ES"/>
               <a:t>Quinto nivel</a:t>
             </a:r>
             <a:endParaRPr lang="en-US" dirty="0"/>
@@ -1195,7 +1196,7 @@
           <a:p>
             <a:fld id="{1746D715-F302-4AEE-84BA-8B184C0E583B}" type="datetimeFigureOut">
               <a:rPr lang="es-CO" smtClean="0"/>
-              <a:t>15/01/2020</a:t>
+              <a:t>24/07/20</a:t>
             </a:fld>
             <a:endParaRPr lang="es-CO"/>
           </a:p>
@@ -1237,7 +1238,7 @@
           <a:p>
             <a:fld id="{19274467-91A6-4BBE-9E77-4CCEB30A9719}" type="slidenum">
               <a:rPr lang="es-CO" smtClean="0"/>
-              <a:t>‹Nº›</a:t>
+              <a:t>‹#›</a:t>
             </a:fld>
             <a:endParaRPr lang="es-CO"/>
           </a:p>
@@ -1294,7 +1295,7 @@
           </a:lstStyle>
           <a:p>
             <a:r>
-              <a:rPr lang="es-ES" smtClean="0"/>
+              <a:rPr lang="es-ES"/>
               <a:t>Haga clic para modificar el estilo de título del patrón</a:t>
             </a:r>
             <a:endParaRPr lang="en-US" dirty="0"/>
@@ -1318,35 +1319,35 @@
           <a:p>
             <a:pPr lvl="0"/>
             <a:r>
-              <a:rPr lang="es-ES" smtClean="0"/>
+              <a:rPr lang="es-ES"/>
               <a:t>Editar el estilo de texto del patrón</a:t>
             </a:r>
           </a:p>
           <a:p>
             <a:pPr lvl="1"/>
             <a:r>
-              <a:rPr lang="es-ES" smtClean="0"/>
+              <a:rPr lang="es-ES"/>
               <a:t>Segundo nivel</a:t>
             </a:r>
           </a:p>
           <a:p>
             <a:pPr lvl="2"/>
             <a:r>
-              <a:rPr lang="es-ES" smtClean="0"/>
+              <a:rPr lang="es-ES"/>
               <a:t>Tercer nivel</a:t>
             </a:r>
           </a:p>
           <a:p>
             <a:pPr lvl="3"/>
             <a:r>
-              <a:rPr lang="es-ES" smtClean="0"/>
+              <a:rPr lang="es-ES"/>
               <a:t>Cuarto nivel</a:t>
             </a:r>
           </a:p>
           <a:p>
             <a:pPr lvl="4"/>
             <a:r>
-              <a:rPr lang="es-ES" smtClean="0"/>
+              <a:rPr lang="es-ES"/>
               <a:t>Quinto nivel</a:t>
             </a:r>
             <a:endParaRPr lang="en-US" dirty="0"/>
@@ -1370,7 +1371,7 @@
           <a:p>
             <a:fld id="{1746D715-F302-4AEE-84BA-8B184C0E583B}" type="datetimeFigureOut">
               <a:rPr lang="es-CO" smtClean="0"/>
-              <a:t>15/01/2020</a:t>
+              <a:t>24/07/20</a:t>
             </a:fld>
             <a:endParaRPr lang="es-CO"/>
           </a:p>
@@ -1412,7 +1413,7 @@
           <a:p>
             <a:fld id="{19274467-91A6-4BBE-9E77-4CCEB30A9719}" type="slidenum">
               <a:rPr lang="es-CO" smtClean="0"/>
-              <a:t>‹Nº›</a:t>
+              <a:t>‹#›</a:t>
             </a:fld>
             <a:endParaRPr lang="es-CO"/>
           </a:p>
@@ -1570,7 +1571,7 @@
           </a:lstStyle>
           <a:p>
             <a:r>
-              <a:rPr lang="es-ES" smtClean="0"/>
+              <a:rPr lang="es-ES"/>
               <a:t>Haga clic para modificar el estilo de título del patrón</a:t>
             </a:r>
             <a:endParaRPr lang="en-US" dirty="0"/>
@@ -1691,7 +1692,7 @@
           <a:p>
             <a:pPr lvl="0"/>
             <a:r>
-              <a:rPr lang="es-ES" smtClean="0"/>
+              <a:rPr lang="es-ES"/>
               <a:t>Editar el estilo de texto del patrón</a:t>
             </a:r>
           </a:p>
@@ -1714,7 +1715,7 @@
           <a:p>
             <a:fld id="{1746D715-F302-4AEE-84BA-8B184C0E583B}" type="datetimeFigureOut">
               <a:rPr lang="es-CO" smtClean="0"/>
-              <a:t>15/01/2020</a:t>
+              <a:t>24/07/20</a:t>
             </a:fld>
             <a:endParaRPr lang="es-CO"/>
           </a:p>
@@ -1756,7 +1757,7 @@
           <a:p>
             <a:fld id="{19274467-91A6-4BBE-9E77-4CCEB30A9719}" type="slidenum">
               <a:rPr lang="es-CO" smtClean="0"/>
-              <a:t>‹Nº›</a:t>
+              <a:t>‹#›</a:t>
             </a:fld>
             <a:endParaRPr lang="es-CO"/>
           </a:p>
@@ -1852,7 +1853,7 @@
           <a:lstStyle/>
           <a:p>
             <a:r>
-              <a:rPr lang="es-ES" smtClean="0"/>
+              <a:rPr lang="es-ES"/>
               <a:t>Haga clic para modificar el estilo de título del patrón</a:t>
             </a:r>
             <a:endParaRPr lang="en-US" dirty="0"/>
@@ -1881,35 +1882,35 @@
           <a:p>
             <a:pPr lvl="0"/>
             <a:r>
-              <a:rPr lang="es-ES" smtClean="0"/>
+              <a:rPr lang="es-ES"/>
               <a:t>Editar el estilo de texto del patrón</a:t>
             </a:r>
           </a:p>
           <a:p>
             <a:pPr lvl="1"/>
             <a:r>
-              <a:rPr lang="es-ES" smtClean="0"/>
+              <a:rPr lang="es-ES"/>
               <a:t>Segundo nivel</a:t>
             </a:r>
           </a:p>
           <a:p>
             <a:pPr lvl="2"/>
             <a:r>
-              <a:rPr lang="es-ES" smtClean="0"/>
+              <a:rPr lang="es-ES"/>
               <a:t>Tercer nivel</a:t>
             </a:r>
           </a:p>
           <a:p>
             <a:pPr lvl="3"/>
             <a:r>
-              <a:rPr lang="es-ES" smtClean="0"/>
+              <a:rPr lang="es-ES"/>
               <a:t>Cuarto nivel</a:t>
             </a:r>
           </a:p>
           <a:p>
             <a:pPr lvl="4"/>
             <a:r>
-              <a:rPr lang="es-ES" smtClean="0"/>
+              <a:rPr lang="es-ES"/>
               <a:t>Quinto nivel</a:t>
             </a:r>
             <a:endParaRPr lang="en-US" dirty="0"/>
@@ -1938,35 +1939,35 @@
           <a:p>
             <a:pPr lvl="0"/>
             <a:r>
-              <a:rPr lang="es-ES" smtClean="0"/>
+              <a:rPr lang="es-ES"/>
               <a:t>Editar el estilo de texto del patrón</a:t>
             </a:r>
           </a:p>
           <a:p>
             <a:pPr lvl="1"/>
             <a:r>
-              <a:rPr lang="es-ES" smtClean="0"/>
+              <a:rPr lang="es-ES"/>
               <a:t>Segundo nivel</a:t>
             </a:r>
           </a:p>
           <a:p>
             <a:pPr lvl="2"/>
             <a:r>
-              <a:rPr lang="es-ES" smtClean="0"/>
+              <a:rPr lang="es-ES"/>
               <a:t>Tercer nivel</a:t>
             </a:r>
           </a:p>
           <a:p>
             <a:pPr lvl="3"/>
             <a:r>
-              <a:rPr lang="es-ES" smtClean="0"/>
+              <a:rPr lang="es-ES"/>
               <a:t>Cuarto nivel</a:t>
             </a:r>
           </a:p>
           <a:p>
             <a:pPr lvl="4"/>
             <a:r>
-              <a:rPr lang="es-ES" smtClean="0"/>
+              <a:rPr lang="es-ES"/>
               <a:t>Quinto nivel</a:t>
             </a:r>
             <a:endParaRPr lang="en-US" dirty="0"/>
@@ -1990,7 +1991,7 @@
           <a:p>
             <a:fld id="{1746D715-F302-4AEE-84BA-8B184C0E583B}" type="datetimeFigureOut">
               <a:rPr lang="es-CO" smtClean="0"/>
-              <a:t>15/01/2020</a:t>
+              <a:t>24/07/20</a:t>
             </a:fld>
             <a:endParaRPr lang="es-CO"/>
           </a:p>
@@ -2032,7 +2033,7 @@
           <a:p>
             <a:fld id="{19274467-91A6-4BBE-9E77-4CCEB30A9719}" type="slidenum">
               <a:rPr lang="es-CO" smtClean="0"/>
-              <a:t>‹Nº›</a:t>
+              <a:t>‹#›</a:t>
             </a:fld>
             <a:endParaRPr lang="es-CO"/>
           </a:p>
@@ -2090,7 +2091,7 @@
           <a:lstStyle/>
           <a:p>
             <a:r>
-              <a:rPr lang="es-ES" smtClean="0"/>
+              <a:rPr lang="es-ES"/>
               <a:t>Haga clic para modificar el estilo de título del patrón</a:t>
             </a:r>
             <a:endParaRPr lang="en-US" dirty="0"/>
@@ -2162,7 +2163,7 @@
           <a:p>
             <a:pPr lvl="0"/>
             <a:r>
-              <a:rPr lang="es-ES" smtClean="0"/>
+              <a:rPr lang="es-ES"/>
               <a:t>Editar el estilo de texto del patrón</a:t>
             </a:r>
           </a:p>
@@ -2190,35 +2191,35 @@
           <a:p>
             <a:pPr lvl="0"/>
             <a:r>
-              <a:rPr lang="es-ES" smtClean="0"/>
+              <a:rPr lang="es-ES"/>
               <a:t>Editar el estilo de texto del patrón</a:t>
             </a:r>
           </a:p>
           <a:p>
             <a:pPr lvl="1"/>
             <a:r>
-              <a:rPr lang="es-ES" smtClean="0"/>
+              <a:rPr lang="es-ES"/>
               <a:t>Segundo nivel</a:t>
             </a:r>
           </a:p>
           <a:p>
             <a:pPr lvl="2"/>
             <a:r>
-              <a:rPr lang="es-ES" smtClean="0"/>
+              <a:rPr lang="es-ES"/>
               <a:t>Tercer nivel</a:t>
             </a:r>
           </a:p>
           <a:p>
             <a:pPr lvl="3"/>
             <a:r>
-              <a:rPr lang="es-ES" smtClean="0"/>
+              <a:rPr lang="es-ES"/>
               <a:t>Cuarto nivel</a:t>
             </a:r>
           </a:p>
           <a:p>
             <a:pPr lvl="4"/>
             <a:r>
-              <a:rPr lang="es-ES" smtClean="0"/>
+              <a:rPr lang="es-ES"/>
               <a:t>Quinto nivel</a:t>
             </a:r>
             <a:endParaRPr lang="en-US" dirty="0"/>
@@ -2290,7 +2291,7 @@
           <a:p>
             <a:pPr lvl="0"/>
             <a:r>
-              <a:rPr lang="es-ES" smtClean="0"/>
+              <a:rPr lang="es-ES"/>
               <a:t>Editar el estilo de texto del patrón</a:t>
             </a:r>
           </a:p>
@@ -2318,35 +2319,35 @@
           <a:p>
             <a:pPr lvl="0"/>
             <a:r>
-              <a:rPr lang="es-ES" smtClean="0"/>
+              <a:rPr lang="es-ES"/>
               <a:t>Editar el estilo de texto del patrón</a:t>
             </a:r>
           </a:p>
           <a:p>
             <a:pPr lvl="1"/>
             <a:r>
-              <a:rPr lang="es-ES" smtClean="0"/>
+              <a:rPr lang="es-ES"/>
               <a:t>Segundo nivel</a:t>
             </a:r>
           </a:p>
           <a:p>
             <a:pPr lvl="2"/>
             <a:r>
-              <a:rPr lang="es-ES" smtClean="0"/>
+              <a:rPr lang="es-ES"/>
               <a:t>Tercer nivel</a:t>
             </a:r>
           </a:p>
           <a:p>
             <a:pPr lvl="3"/>
             <a:r>
-              <a:rPr lang="es-ES" smtClean="0"/>
+              <a:rPr lang="es-ES"/>
               <a:t>Cuarto nivel</a:t>
             </a:r>
           </a:p>
           <a:p>
             <a:pPr lvl="4"/>
             <a:r>
-              <a:rPr lang="es-ES" smtClean="0"/>
+              <a:rPr lang="es-ES"/>
               <a:t>Quinto nivel</a:t>
             </a:r>
             <a:endParaRPr lang="en-US" dirty="0"/>
@@ -2370,7 +2371,7 @@
           <a:p>
             <a:fld id="{1746D715-F302-4AEE-84BA-8B184C0E583B}" type="datetimeFigureOut">
               <a:rPr lang="es-CO" smtClean="0"/>
-              <a:t>15/01/2020</a:t>
+              <a:t>24/07/20</a:t>
             </a:fld>
             <a:endParaRPr lang="es-CO"/>
           </a:p>
@@ -2412,7 +2413,7 @@
           <a:p>
             <a:fld id="{19274467-91A6-4BBE-9E77-4CCEB30A9719}" type="slidenum">
               <a:rPr lang="es-CO" smtClean="0"/>
-              <a:t>‹Nº›</a:t>
+              <a:t>‹#›</a:t>
             </a:fld>
             <a:endParaRPr lang="es-CO"/>
           </a:p>
@@ -2465,7 +2466,7 @@
           <a:lstStyle/>
           <a:p>
             <a:r>
-              <a:rPr lang="es-ES" smtClean="0"/>
+              <a:rPr lang="es-ES"/>
               <a:t>Haga clic para modificar el estilo de título del patrón</a:t>
             </a:r>
             <a:endParaRPr lang="en-US" dirty="0"/>
@@ -2489,7 +2490,7 @@
           <a:p>
             <a:fld id="{1746D715-F302-4AEE-84BA-8B184C0E583B}" type="datetimeFigureOut">
               <a:rPr lang="es-CO" smtClean="0"/>
-              <a:t>15/01/2020</a:t>
+              <a:t>24/07/20</a:t>
             </a:fld>
             <a:endParaRPr lang="es-CO"/>
           </a:p>
@@ -2531,7 +2532,7 @@
           <a:p>
             <a:fld id="{19274467-91A6-4BBE-9E77-4CCEB30A9719}" type="slidenum">
               <a:rPr lang="es-CO" smtClean="0"/>
-              <a:t>‹Nº›</a:t>
+              <a:t>‹#›</a:t>
             </a:fld>
             <a:endParaRPr lang="es-CO"/>
           </a:p>
@@ -2661,7 +2662,7 @@
           <a:p>
             <a:fld id="{1746D715-F302-4AEE-84BA-8B184C0E583B}" type="datetimeFigureOut">
               <a:rPr lang="es-CO" smtClean="0"/>
-              <a:t>15/01/2020</a:t>
+              <a:t>24/07/20</a:t>
             </a:fld>
             <a:endParaRPr lang="es-CO"/>
           </a:p>
@@ -2711,7 +2712,7 @@
           <a:p>
             <a:fld id="{19274467-91A6-4BBE-9E77-4CCEB30A9719}" type="slidenum">
               <a:rPr lang="es-CO" smtClean="0"/>
-              <a:t>‹Nº›</a:t>
+              <a:t>‹#›</a:t>
             </a:fld>
             <a:endParaRPr lang="es-CO"/>
           </a:p>
@@ -2855,7 +2856,7 @@
           </a:lstStyle>
           <a:p>
             <a:r>
-              <a:rPr lang="es-ES" smtClean="0"/>
+              <a:rPr lang="es-ES"/>
               <a:t>Haga clic para modificar el estilo de título del patrón</a:t>
             </a:r>
             <a:endParaRPr lang="en-US" dirty="0"/>
@@ -2884,35 +2885,35 @@
           <a:p>
             <a:pPr lvl="0"/>
             <a:r>
-              <a:rPr lang="es-ES" smtClean="0"/>
+              <a:rPr lang="es-ES"/>
               <a:t>Editar el estilo de texto del patrón</a:t>
             </a:r>
           </a:p>
           <a:p>
             <a:pPr lvl="1"/>
             <a:r>
-              <a:rPr lang="es-ES" smtClean="0"/>
+              <a:rPr lang="es-ES"/>
               <a:t>Segundo nivel</a:t>
             </a:r>
           </a:p>
           <a:p>
             <a:pPr lvl="2"/>
             <a:r>
-              <a:rPr lang="es-ES" smtClean="0"/>
+              <a:rPr lang="es-ES"/>
               <a:t>Tercer nivel</a:t>
             </a:r>
           </a:p>
           <a:p>
             <a:pPr lvl="3"/>
             <a:r>
-              <a:rPr lang="es-ES" smtClean="0"/>
+              <a:rPr lang="es-ES"/>
               <a:t>Cuarto nivel</a:t>
             </a:r>
           </a:p>
           <a:p>
             <a:pPr lvl="4"/>
             <a:r>
-              <a:rPr lang="es-ES" smtClean="0"/>
+              <a:rPr lang="es-ES"/>
               <a:t>Quinto nivel</a:t>
             </a:r>
             <a:endParaRPr lang="en-US" dirty="0"/>
@@ -2984,7 +2985,7 @@
           <a:p>
             <a:pPr lvl="0"/>
             <a:r>
-              <a:rPr lang="es-ES" smtClean="0"/>
+              <a:rPr lang="es-ES"/>
               <a:t>Editar el estilo de texto del patrón</a:t>
             </a:r>
           </a:p>
@@ -3016,7 +3017,7 @@
           <a:p>
             <a:fld id="{1746D715-F302-4AEE-84BA-8B184C0E583B}" type="datetimeFigureOut">
               <a:rPr lang="es-CO" smtClean="0"/>
-              <a:t>15/01/2020</a:t>
+              <a:t>24/07/20</a:t>
             </a:fld>
             <a:endParaRPr lang="es-CO"/>
           </a:p>
@@ -3079,7 +3080,7 @@
           <a:p>
             <a:fld id="{19274467-91A6-4BBE-9E77-4CCEB30A9719}" type="slidenum">
               <a:rPr lang="es-CO" smtClean="0"/>
-              <a:t>‹Nº›</a:t>
+              <a:t>‹#›</a:t>
             </a:fld>
             <a:endParaRPr lang="es-CO"/>
           </a:p>
@@ -3223,7 +3224,7 @@
           </a:lstStyle>
           <a:p>
             <a:r>
-              <a:rPr lang="es-ES" smtClean="0"/>
+              <a:rPr lang="es-ES"/>
               <a:t>Haga clic para modificar el estilo de título del patrón</a:t>
             </a:r>
             <a:endParaRPr lang="en-US" dirty="0"/>
@@ -3298,7 +3299,7 @@
           </a:lstStyle>
           <a:p>
             <a:r>
-              <a:rPr lang="es-ES" smtClean="0"/>
+              <a:rPr lang="es-ES"/>
               <a:t>Haga clic en el icono para agregar una imagen</a:t>
             </a:r>
             <a:endParaRPr lang="en-US" dirty="0"/>
@@ -3376,7 +3377,7 @@
           <a:p>
             <a:pPr lvl="0"/>
             <a:r>
-              <a:rPr lang="es-ES" smtClean="0"/>
+              <a:rPr lang="es-ES"/>
               <a:t>Editar el estilo de texto del patrón</a:t>
             </a:r>
           </a:p>
@@ -3399,7 +3400,7 @@
           <a:p>
             <a:fld id="{1746D715-F302-4AEE-84BA-8B184C0E583B}" type="datetimeFigureOut">
               <a:rPr lang="es-CO" smtClean="0"/>
-              <a:t>15/01/2020</a:t>
+              <a:t>24/07/20</a:t>
             </a:fld>
             <a:endParaRPr lang="es-CO"/>
           </a:p>
@@ -3441,7 +3442,7 @@
           <a:p>
             <a:fld id="{19274467-91A6-4BBE-9E77-4CCEB30A9719}" type="slidenum">
               <a:rPr lang="es-CO" smtClean="0"/>
-              <a:t>‹Nº›</a:t>
+              <a:t>‹#›</a:t>
             </a:fld>
             <a:endParaRPr lang="es-CO"/>
           </a:p>
@@ -3585,7 +3586,7 @@
           <a:lstStyle/>
           <a:p>
             <a:r>
-              <a:rPr lang="es-ES" smtClean="0"/>
+              <a:rPr lang="es-ES"/>
               <a:t>Haga clic para modificar el estilo de título del patrón</a:t>
             </a:r>
             <a:endParaRPr lang="en-US" dirty="0"/>
@@ -3619,35 +3620,35 @@
           <a:p>
             <a:pPr lvl="0"/>
             <a:r>
-              <a:rPr lang="es-ES" smtClean="0"/>
+              <a:rPr lang="es-ES"/>
               <a:t>Editar el estilo de texto del patrón</a:t>
             </a:r>
           </a:p>
           <a:p>
             <a:pPr lvl="1"/>
             <a:r>
-              <a:rPr lang="es-ES" smtClean="0"/>
+              <a:rPr lang="es-ES"/>
               <a:t>Segundo nivel</a:t>
             </a:r>
           </a:p>
           <a:p>
             <a:pPr lvl="2"/>
             <a:r>
-              <a:rPr lang="es-ES" smtClean="0"/>
+              <a:rPr lang="es-ES"/>
               <a:t>Tercer nivel</a:t>
             </a:r>
           </a:p>
           <a:p>
             <a:pPr lvl="3"/>
             <a:r>
-              <a:rPr lang="es-ES" smtClean="0"/>
+              <a:rPr lang="es-ES"/>
               <a:t>Cuarto nivel</a:t>
             </a:r>
           </a:p>
           <a:p>
             <a:pPr lvl="4"/>
             <a:r>
-              <a:rPr lang="es-ES" smtClean="0"/>
+              <a:rPr lang="es-ES"/>
               <a:t>Quinto nivel</a:t>
             </a:r>
             <a:endParaRPr lang="en-US" dirty="0"/>
@@ -3687,7 +3688,7 @@
           <a:p>
             <a:fld id="{1746D715-F302-4AEE-84BA-8B184C0E583B}" type="datetimeFigureOut">
               <a:rPr lang="es-CO" smtClean="0"/>
-              <a:t>15/01/2020</a:t>
+              <a:t>24/07/20</a:t>
             </a:fld>
             <a:endParaRPr lang="es-CO"/>
           </a:p>
@@ -3761,7 +3762,7 @@
           <a:p>
             <a:fld id="{19274467-91A6-4BBE-9E77-4CCEB30A9719}" type="slidenum">
               <a:rPr lang="es-CO" smtClean="0"/>
-              <a:t>‹Nº›</a:t>
+              <a:t>‹#›</a:t>
             </a:fld>
             <a:endParaRPr lang="es-CO"/>
           </a:p>
@@ -4228,7 +4229,7 @@
           <a:lstStyle/>
           <a:p>
             <a:r>
-              <a:rPr lang="es-ES" dirty="0" smtClean="0"/>
+              <a:rPr lang="es-ES" dirty="0"/>
               <a:t>Introducción</a:t>
             </a:r>
             <a:endParaRPr lang="es-CO" dirty="0"/>
@@ -4251,7 +4252,7 @@
           <a:lstStyle/>
           <a:p>
             <a:r>
-              <a:rPr lang="es-ES" dirty="0" smtClean="0"/>
+              <a:rPr lang="es-ES" dirty="0"/>
               <a:t>GIT y GitHub</a:t>
             </a:r>
             <a:endParaRPr lang="es-CO" dirty="0"/>
@@ -4391,13 +4392,6 @@
   <p:clrMapOvr>
     <a:masterClrMapping/>
   </p:clrMapOvr>
-  <p:timing>
-    <p:tnLst>
-      <p:par>
-        <p:cTn id="1" dur="indefinite" restart="never" nodeType="tmRoot"/>
-      </p:par>
-    </p:tnLst>
-  </p:timing>
 </p:sld>
 </file>
 
@@ -4434,7 +4428,7 @@
           <a:lstStyle/>
           <a:p>
             <a:r>
-              <a:rPr lang="es-ES" dirty="0" smtClean="0"/>
+              <a:rPr lang="es-ES" dirty="0"/>
               <a:t>GIT</a:t>
             </a:r>
             <a:endParaRPr lang="es-CO" dirty="0"/>
@@ -4464,7 +4458,7 @@
           <a:lstStyle/>
           <a:p>
             <a:r>
-              <a:rPr lang="es-ES" dirty="0" smtClean="0"/>
+              <a:rPr lang="es-ES" dirty="0"/>
               <a:t>Actualmente GIT es usado, por ejemplo, para el desarrollo del núcleo Linux.</a:t>
             </a:r>
           </a:p>
@@ -4473,7 +4467,7 @@
           </a:p>
           <a:p>
             <a:r>
-              <a:rPr lang="es-ES" dirty="0" smtClean="0"/>
+              <a:rPr lang="es-ES" dirty="0"/>
               <a:t>GIT permite la ramificación de proyectos y posterior unión, lo que permite el desarrollo modular en equipo.</a:t>
             </a:r>
           </a:p>
@@ -4481,7 +4475,7 @@
             <a:endParaRPr lang="es-ES" dirty="0"/>
           </a:p>
           <a:p>
-            <a:endParaRPr lang="es-ES" dirty="0" smtClean="0"/>
+            <a:endParaRPr lang="es-ES" dirty="0"/>
           </a:p>
         </p:txBody>
       </p:sp>
@@ -6172,7 +6166,7 @@
           <a:p>
             <a:pPr algn="ctr"/>
             <a:r>
-              <a:rPr lang="es-ES" dirty="0" smtClean="0"/>
+              <a:rPr lang="es-ES" dirty="0"/>
               <a:t>master</a:t>
             </a:r>
             <a:endParaRPr lang="es-CO" dirty="0"/>
@@ -6203,7 +6197,7 @@
           <a:p>
             <a:pPr algn="ctr"/>
             <a:r>
-              <a:rPr lang="es-ES" dirty="0" err="1" smtClean="0"/>
+              <a:rPr lang="es-ES" dirty="0" err="1"/>
               <a:t>dev</a:t>
             </a:r>
             <a:endParaRPr lang="es-CO" dirty="0"/>
@@ -6234,7 +6228,7 @@
           <a:p>
             <a:pPr algn="ctr"/>
             <a:r>
-              <a:rPr lang="es-ES" dirty="0" smtClean="0"/>
+              <a:rPr lang="es-ES" dirty="0"/>
               <a:t>feat1</a:t>
             </a:r>
             <a:endParaRPr lang="es-CO" dirty="0"/>
@@ -6265,7 +6259,7 @@
           <a:p>
             <a:pPr algn="ctr"/>
             <a:r>
-              <a:rPr lang="es-ES" dirty="0" smtClean="0"/>
+              <a:rPr lang="es-ES" dirty="0"/>
               <a:t>feat2</a:t>
             </a:r>
             <a:endParaRPr lang="es-CO" dirty="0"/>
@@ -6296,7 +6290,7 @@
           <a:p>
             <a:pPr algn="ctr"/>
             <a:r>
-              <a:rPr lang="es-ES" dirty="0" smtClean="0"/>
+              <a:rPr lang="es-ES" dirty="0"/>
               <a:t>feat3</a:t>
             </a:r>
             <a:endParaRPr lang="es-CO" dirty="0"/>
@@ -6354,13 +6348,6 @@
   <p:clrMapOvr>
     <a:masterClrMapping/>
   </p:clrMapOvr>
-  <p:timing>
-    <p:tnLst>
-      <p:par>
-        <p:cTn id="1" dur="indefinite" restart="never" nodeType="tmRoot"/>
-      </p:par>
-    </p:tnLst>
-  </p:timing>
 </p:sld>
 </file>
 
@@ -6397,7 +6384,7 @@
           <a:lstStyle/>
           <a:p>
             <a:r>
-              <a:rPr lang="es-ES" dirty="0" smtClean="0"/>
+              <a:rPr lang="es-ES" dirty="0"/>
               <a:t>Ventajas y Desventajas</a:t>
             </a:r>
             <a:endParaRPr lang="es-CO" dirty="0"/>
@@ -6427,7 +6414,7 @@
           <a:lstStyle/>
           <a:p>
             <a:r>
-              <a:rPr lang="es-ES" dirty="0" smtClean="0"/>
+              <a:rPr lang="es-ES" dirty="0"/>
               <a:t>El manejo de ramificaciones es simple</a:t>
             </a:r>
           </a:p>
@@ -6744,7 +6731,7 @@
           <a:p>
             <a:pPr fontAlgn="auto"/>
             <a:r>
-              <a:rPr lang="es-ES" dirty="0" smtClean="0"/>
+              <a:rPr lang="es-ES" dirty="0"/>
               <a:t>El performance en términos de eficiencia en rapidez y almacenamiento</a:t>
             </a:r>
           </a:p>
@@ -7020,7 +7007,7 @@
           <a:p>
             <a:pPr fontAlgn="auto"/>
             <a:r>
-              <a:rPr lang="es-ES" dirty="0" smtClean="0"/>
+              <a:rPr lang="es-ES" dirty="0"/>
               <a:t>No necesita internet para funcionar</a:t>
             </a:r>
           </a:p>
@@ -7296,7 +7283,7 @@
           <a:p>
             <a:pPr fontAlgn="auto"/>
             <a:r>
-              <a:rPr lang="es-ES" dirty="0" smtClean="0"/>
+              <a:rPr lang="es-ES" dirty="0"/>
               <a:t>Permite la conexión a repositorios remotos para la distribución</a:t>
             </a:r>
           </a:p>
@@ -7572,7 +7559,7 @@
           <a:p>
             <a:pPr fontAlgn="auto"/>
             <a:r>
-              <a:rPr lang="es-ES" dirty="0" smtClean="0"/>
+              <a:rPr lang="es-ES" dirty="0"/>
               <a:t>Ineficiencia en manejo de archivos binarios.</a:t>
             </a:r>
           </a:p>
@@ -7848,7 +7835,7 @@
           <a:p>
             <a:pPr fontAlgn="auto"/>
             <a:r>
-              <a:rPr lang="es-ES" dirty="0" smtClean="0"/>
+              <a:rPr lang="es-ES" dirty="0"/>
               <a:t>El tamaño del repositorio es grande cuando se usan archivos binarios</a:t>
             </a:r>
           </a:p>
@@ -8152,13 +8139,6 @@
   <p:clrMapOvr>
     <a:masterClrMapping/>
   </p:clrMapOvr>
-  <p:timing>
-    <p:tnLst>
-      <p:par>
-        <p:cTn id="1" dur="indefinite" restart="never" nodeType="tmRoot"/>
-      </p:par>
-    </p:tnLst>
-  </p:timing>
 </p:sld>
 </file>
 
@@ -8195,7 +8175,7 @@
           <a:lstStyle/>
           <a:p>
             <a:r>
-              <a:rPr lang="es-ES" dirty="0" smtClean="0"/>
+              <a:rPr lang="es-ES" dirty="0"/>
               <a:t>GitHub</a:t>
             </a:r>
             <a:endParaRPr lang="es-CO" dirty="0"/>
@@ -8225,15 +8205,15 @@
           <a:lstStyle/>
           <a:p>
             <a:r>
-              <a:rPr lang="es-ES" dirty="0" smtClean="0"/>
+              <a:rPr lang="es-ES" dirty="0"/>
               <a:t>Qué es una </a:t>
             </a:r>
             <a:r>
-              <a:rPr lang="es-ES" b="1" i="1" dirty="0" smtClean="0"/>
+              <a:rPr lang="es-ES" b="1" i="1" dirty="0"/>
               <a:t>plataforma de desarrollo colaborativo</a:t>
             </a:r>
             <a:r>
-              <a:rPr lang="es-ES" dirty="0" smtClean="0"/>
+              <a:rPr lang="es-ES" dirty="0"/>
               <a:t> que permite alojar proyecto seguidos con GIT.</a:t>
             </a:r>
           </a:p>
@@ -8242,7 +8222,7 @@
           </a:p>
           <a:p>
             <a:r>
-              <a:rPr lang="es-ES" dirty="0" smtClean="0"/>
+              <a:rPr lang="es-ES" dirty="0"/>
               <a:t>Esta plataforma contiene todos los perfiles de usuario y cada usuario contiene repositorios.</a:t>
             </a:r>
           </a:p>
@@ -8251,27 +8231,27 @@
           </a:p>
           <a:p>
             <a:r>
-              <a:rPr lang="es-ES" dirty="0" smtClean="0"/>
+              <a:rPr lang="es-ES" dirty="0"/>
               <a:t>A menudo los repositorios son públicos (</a:t>
             </a:r>
             <a:r>
-              <a:rPr lang="es-ES" b="1" i="1" dirty="0" smtClean="0"/>
+              <a:rPr lang="es-ES" b="1" i="1" dirty="0"/>
               <a:t>Open </a:t>
             </a:r>
             <a:r>
-              <a:rPr lang="es-ES" b="1" i="1" dirty="0" err="1" smtClean="0"/>
+              <a:rPr lang="es-ES" b="1" i="1" dirty="0" err="1"/>
               <a:t>Source</a:t>
             </a:r>
             <a:r>
-              <a:rPr lang="es-ES" dirty="0" smtClean="0"/>
+              <a:rPr lang="es-ES" dirty="0"/>
               <a:t>), pero también pueden ser privados (</a:t>
             </a:r>
             <a:r>
-              <a:rPr lang="es-ES" b="1" i="1" dirty="0" smtClean="0"/>
+              <a:rPr lang="es-ES" b="1" i="1" dirty="0"/>
               <a:t>Equipo de desarrollo</a:t>
             </a:r>
             <a:r>
-              <a:rPr lang="es-ES" dirty="0" smtClean="0"/>
+              <a:rPr lang="es-ES" dirty="0"/>
               <a:t>)</a:t>
             </a:r>
           </a:p>
@@ -8369,13 +8349,6 @@
   <p:clrMapOvr>
     <a:masterClrMapping/>
   </p:clrMapOvr>
-  <p:timing>
-    <p:tnLst>
-      <p:par>
-        <p:cTn id="1" dur="indefinite" restart="never" nodeType="tmRoot"/>
-      </p:par>
-    </p:tnLst>
-  </p:timing>
 </p:sld>
 </file>
 
@@ -8446,7 +8419,7 @@
           <a:lstStyle/>
           <a:p>
             <a:r>
-              <a:rPr lang="es-ES" dirty="0" smtClean="0"/>
+              <a:rPr lang="es-ES" dirty="0"/>
               <a:t>Se tiende a confundirlos, pero </a:t>
             </a:r>
           </a:p>
@@ -8455,7 +8428,7 @@
           </a:p>
           <a:p>
             <a:r>
-              <a:rPr lang="es-ES" dirty="0" smtClean="0"/>
+              <a:rPr lang="es-ES" dirty="0"/>
               <a:t>Mientras GIT es el sistema de seguimiento al proyecto, que adicionalmente funciona sin internet</a:t>
             </a:r>
           </a:p>
@@ -8464,7 +8437,7 @@
           </a:p>
           <a:p>
             <a:r>
-              <a:rPr lang="es-ES" dirty="0" smtClean="0"/>
+              <a:rPr lang="es-ES" dirty="0"/>
               <a:t>GitHub es una plataforma en la nube donde puede abrir un perfil y subir sus repositorios.</a:t>
             </a:r>
           </a:p>
@@ -8909,7 +8882,7 @@
           <a:lstStyle/>
           <a:p>
             <a:r>
-              <a:rPr lang="es-ES" dirty="0" smtClean="0"/>
+              <a:rPr lang="es-ES" dirty="0"/>
               <a:t>Internet</a:t>
             </a:r>
             <a:endParaRPr lang="es-CO" dirty="0"/>
@@ -8939,7 +8912,7 @@
           <a:lstStyle/>
           <a:p>
             <a:r>
-              <a:rPr lang="es-ES" dirty="0" smtClean="0"/>
+              <a:rPr lang="es-ES" dirty="0"/>
               <a:t>Local</a:t>
             </a:r>
             <a:endParaRPr lang="es-CO" dirty="0"/>
@@ -8956,13 +8929,6 @@
   <p:clrMapOvr>
     <a:masterClrMapping/>
   </p:clrMapOvr>
-  <p:timing>
-    <p:tnLst>
-      <p:par>
-        <p:cTn id="1" dur="indefinite" restart="never" nodeType="tmRoot"/>
-      </p:par>
-    </p:tnLst>
-  </p:timing>
 </p:sld>
 </file>
 
@@ -8999,12 +8965,8 @@
           <a:lstStyle/>
           <a:p>
             <a:r>
-              <a:rPr lang="es-ES" dirty="0" smtClean="0"/>
-              <a:t>Papel </a:t>
-            </a:r>
-            <a:r>
               <a:rPr lang="es-ES" dirty="0"/>
-              <a:t>tienen en desarrollos profesionales</a:t>
+              <a:t>Papel tienen en desarrollos profesionales</a:t>
             </a:r>
           </a:p>
         </p:txBody>
@@ -9032,7 +8994,7 @@
           <a:lstStyle/>
           <a:p>
             <a:r>
-              <a:rPr lang="es-ES" dirty="0" smtClean="0"/>
+              <a:rPr lang="es-ES" dirty="0"/>
               <a:t>Cualquier desarrollo de software usa GIT como sistema de control de versiones y además tiene presencia en GitHub.</a:t>
             </a:r>
           </a:p>
@@ -9041,15 +9003,15 @@
           </a:p>
           <a:p>
             <a:r>
-              <a:rPr lang="es-ES" dirty="0" smtClean="0"/>
+              <a:rPr lang="es-ES" dirty="0"/>
               <a:t>Sin embargo hay tres utilidades por las cuales </a:t>
             </a:r>
             <a:r>
-              <a:rPr lang="es-ES" dirty="0" err="1" smtClean="0"/>
+              <a:rPr lang="es-ES" dirty="0" err="1"/>
               <a:t>Git</a:t>
             </a:r>
             <a:r>
-              <a:rPr lang="es-ES" dirty="0" smtClean="0"/>
+              <a:rPr lang="es-ES" dirty="0"/>
               <a:t>/GitHub ha sido tan exitoso.</a:t>
             </a:r>
           </a:p>
@@ -9060,7 +9022,7 @@
             <a:pPr marL="0" indent="0">
               <a:buNone/>
             </a:pPr>
-            <a:endParaRPr lang="es-ES" dirty="0" smtClean="0"/>
+            <a:endParaRPr lang="es-ES" dirty="0"/>
           </a:p>
         </p:txBody>
       </p:sp>
@@ -9142,7 +9104,7 @@
           <a:p>
             <a:pPr algn="ctr"/>
             <a:r>
-              <a:rPr lang="es-ES" sz="2000" dirty="0" smtClean="0"/>
+              <a:rPr lang="es-ES" sz="2000" dirty="0"/>
               <a:t>Distribución de librerías</a:t>
             </a:r>
             <a:endParaRPr lang="es-CO" sz="2000" dirty="0"/>
@@ -9186,11 +9148,11 @@
           <a:p>
             <a:pPr algn="ctr"/>
             <a:r>
-              <a:rPr lang="es-ES" sz="2000" dirty="0" smtClean="0"/>
+              <a:rPr lang="es-ES" sz="2000" dirty="0"/>
               <a:t>Open </a:t>
             </a:r>
             <a:r>
-              <a:rPr lang="es-ES" sz="2000" dirty="0" err="1" smtClean="0"/>
+              <a:rPr lang="es-ES" sz="2000" dirty="0" err="1"/>
               <a:t>Source</a:t>
             </a:r>
             <a:endParaRPr lang="es-CO" sz="2000" dirty="0"/>
@@ -9234,7 +9196,7 @@
           <a:p>
             <a:pPr algn="ctr"/>
             <a:r>
-              <a:rPr lang="es-ES" sz="2000" dirty="0" smtClean="0"/>
+              <a:rPr lang="es-ES" sz="2000" dirty="0"/>
               <a:t>Integración Continua</a:t>
             </a:r>
             <a:endParaRPr lang="es-CO" sz="2000" dirty="0"/>
@@ -9251,13 +9213,6 @@
   <p:clrMapOvr>
     <a:masterClrMapping/>
   </p:clrMapOvr>
-  <p:timing>
-    <p:tnLst>
-      <p:par>
-        <p:cTn id="1" dur="indefinite" restart="never" nodeType="tmRoot"/>
-      </p:par>
-    </p:tnLst>
-  </p:timing>
 </p:sld>
 </file>
 
@@ -9294,11 +9249,11 @@
           <a:lstStyle/>
           <a:p>
             <a:r>
-              <a:rPr lang="es-ES" dirty="0" smtClean="0"/>
+              <a:rPr lang="es-ES" dirty="0"/>
               <a:t>Open </a:t>
             </a:r>
             <a:r>
-              <a:rPr lang="es-ES" dirty="0" err="1" smtClean="0"/>
+              <a:rPr lang="es-ES" dirty="0" err="1"/>
               <a:t>Source</a:t>
             </a:r>
             <a:endParaRPr lang="es-CO" dirty="0"/>
@@ -9328,7 +9283,7 @@
           <a:lstStyle/>
           <a:p>
             <a:r>
-              <a:rPr lang="es-ES" dirty="0" smtClean="0"/>
+              <a:rPr lang="es-ES" dirty="0"/>
               <a:t>Un repositorio o proyecto público puede ser visto y analizado por otros usuario y sugerir cambios</a:t>
             </a:r>
           </a:p>
@@ -9337,7 +9292,7 @@
           </a:p>
           <a:p>
             <a:r>
-              <a:rPr lang="es-ES" dirty="0" smtClean="0"/>
+              <a:rPr lang="es-ES" dirty="0"/>
               <a:t>Así un proyecto puede avanzar gracias a toda la comunidad.</a:t>
             </a:r>
           </a:p>
@@ -9447,7 +9402,7 @@
           <a:p>
             <a:pPr algn="ctr"/>
             <a:r>
-              <a:rPr lang="es-ES" dirty="0" smtClean="0"/>
+              <a:rPr lang="es-ES" dirty="0"/>
               <a:t>Repositorio Público</a:t>
             </a:r>
             <a:endParaRPr lang="es-CO" dirty="0"/>
@@ -9560,7 +9515,7 @@
           <a:lstStyle/>
           <a:p>
             <a:r>
-              <a:rPr lang="es-ES" dirty="0" smtClean="0"/>
+              <a:rPr lang="es-ES" dirty="0"/>
               <a:t>Creador</a:t>
             </a:r>
             <a:endParaRPr lang="es-CO" dirty="0"/>
@@ -9637,11 +9592,11 @@
           <a:lstStyle/>
           <a:p>
             <a:r>
-              <a:rPr lang="es-ES" dirty="0" err="1" smtClean="0"/>
+              <a:rPr lang="es-ES" dirty="0" err="1"/>
               <a:t>Usario</a:t>
             </a:r>
             <a:r>
-              <a:rPr lang="es-ES" dirty="0" smtClean="0"/>
+              <a:rPr lang="es-ES" dirty="0"/>
               <a:t> A</a:t>
             </a:r>
             <a:endParaRPr lang="es-CO" dirty="0"/>
@@ -9718,11 +9673,11 @@
           <a:lstStyle/>
           <a:p>
             <a:r>
-              <a:rPr lang="es-ES" dirty="0" err="1" smtClean="0"/>
+              <a:rPr lang="es-ES" dirty="0" err="1"/>
               <a:t>Usario</a:t>
             </a:r>
             <a:r>
-              <a:rPr lang="es-ES" dirty="0" smtClean="0"/>
+              <a:rPr lang="es-ES" dirty="0"/>
               <a:t> B</a:t>
             </a:r>
             <a:endParaRPr lang="es-CO" dirty="0"/>
@@ -9799,11 +9754,11 @@
           <a:lstStyle/>
           <a:p>
             <a:r>
-              <a:rPr lang="es-ES" dirty="0" err="1" smtClean="0"/>
+              <a:rPr lang="es-ES" dirty="0" err="1"/>
               <a:t>Usario</a:t>
             </a:r>
             <a:r>
-              <a:rPr lang="es-ES" dirty="0" smtClean="0"/>
+              <a:rPr lang="es-ES" dirty="0"/>
               <a:t> C</a:t>
             </a:r>
             <a:endParaRPr lang="es-CO" dirty="0"/>
@@ -9928,13 +9883,6 @@
   <p:clrMapOvr>
     <a:masterClrMapping/>
   </p:clrMapOvr>
-  <p:timing>
-    <p:tnLst>
-      <p:par>
-        <p:cTn id="1" dur="indefinite" restart="never" nodeType="tmRoot"/>
-      </p:par>
-    </p:tnLst>
-  </p:timing>
 </p:sld>
 </file>
 
@@ -9971,7 +9919,7 @@
           <a:lstStyle/>
           <a:p>
             <a:r>
-              <a:rPr lang="es-ES" dirty="0" smtClean="0"/>
+              <a:rPr lang="es-ES" dirty="0"/>
               <a:t>Librerías</a:t>
             </a:r>
             <a:endParaRPr lang="es-CO" dirty="0"/>
@@ -10001,23 +9949,23 @@
           <a:lstStyle/>
           <a:p>
             <a:r>
-              <a:rPr lang="es-ES" dirty="0" smtClean="0"/>
+              <a:rPr lang="es-ES" dirty="0"/>
               <a:t>Distintos usuarios publican bibliotecas en </a:t>
             </a:r>
             <a:r>
-              <a:rPr lang="es-ES" b="1" i="1" dirty="0" err="1" smtClean="0"/>
+              <a:rPr lang="es-ES" b="1" i="1" dirty="0" err="1"/>
               <a:t>maven</a:t>
             </a:r>
             <a:r>
-              <a:rPr lang="es-ES" dirty="0" smtClean="0"/>
+              <a:rPr lang="es-ES" dirty="0"/>
               <a:t>, pero también en GitHub cuando el proyecto es </a:t>
             </a:r>
             <a:r>
-              <a:rPr lang="es-ES" dirty="0" err="1" smtClean="0"/>
+              <a:rPr lang="es-ES" dirty="0" err="1"/>
               <a:t>OpenSource</a:t>
             </a:r>
             <a:r>
-              <a:rPr lang="es-ES" dirty="0" smtClean="0"/>
+              <a:rPr lang="es-ES" dirty="0"/>
               <a:t>.</a:t>
             </a:r>
           </a:p>
@@ -10026,7 +9974,7 @@
           </a:p>
           <a:p>
             <a:r>
-              <a:rPr lang="es-ES" dirty="0" smtClean="0"/>
+              <a:rPr lang="es-ES" dirty="0"/>
               <a:t>De esa forma, podemos tanto crear bibliotecas como importarlas para hacer uso de ellas</a:t>
             </a:r>
           </a:p>
@@ -10139,7 +10087,7 @@
           <a:p>
             <a:pPr algn="ctr"/>
             <a:r>
-              <a:rPr lang="es-ES" dirty="0" smtClean="0"/>
+              <a:rPr lang="es-ES" dirty="0"/>
               <a:t>Librería Pública</a:t>
             </a:r>
             <a:endParaRPr lang="es-CO" dirty="0"/>
@@ -10209,7 +10157,7 @@
           <a:p>
             <a:pPr algn="ctr"/>
             <a:r>
-              <a:rPr lang="es-ES" dirty="0" smtClean="0"/>
+              <a:rPr lang="es-ES" dirty="0"/>
               <a:t>Librería Pública</a:t>
             </a:r>
             <a:endParaRPr lang="es-CO" dirty="0"/>
@@ -10279,7 +10227,7 @@
           <a:p>
             <a:pPr algn="ctr"/>
             <a:r>
-              <a:rPr lang="es-ES" dirty="0" smtClean="0"/>
+              <a:rPr lang="es-ES" dirty="0"/>
               <a:t>Librería Pública</a:t>
             </a:r>
             <a:endParaRPr lang="es-CO" dirty="0"/>
@@ -10461,7 +10409,7 @@
           <a:p>
             <a:pPr algn="ctr"/>
             <a:r>
-              <a:rPr lang="es-ES" dirty="0" smtClean="0"/>
+              <a:rPr lang="es-ES" dirty="0"/>
               <a:t>Proyecto</a:t>
             </a:r>
             <a:endParaRPr lang="es-CO" dirty="0"/>
@@ -10538,7 +10486,7 @@
           <a:lstStyle/>
           <a:p>
             <a:r>
-              <a:rPr lang="es-ES" dirty="0" smtClean="0"/>
+              <a:rPr lang="es-ES" dirty="0"/>
               <a:t>Creador</a:t>
             </a:r>
             <a:endParaRPr lang="es-CO" dirty="0"/>
@@ -10615,7 +10563,7 @@
           <a:lstStyle/>
           <a:p>
             <a:r>
-              <a:rPr lang="es-ES" dirty="0" smtClean="0"/>
+              <a:rPr lang="es-ES" dirty="0"/>
               <a:t>Creador</a:t>
             </a:r>
             <a:endParaRPr lang="es-CO" dirty="0"/>
@@ -10692,7 +10640,7 @@
           <a:lstStyle/>
           <a:p>
             <a:r>
-              <a:rPr lang="es-ES" dirty="0" smtClean="0"/>
+              <a:rPr lang="es-ES" dirty="0"/>
               <a:t>Creador</a:t>
             </a:r>
             <a:endParaRPr lang="es-CO" dirty="0"/>
@@ -10709,13 +10657,6 @@
   <p:clrMapOvr>
     <a:masterClrMapping/>
   </p:clrMapOvr>
-  <p:timing>
-    <p:tnLst>
-      <p:par>
-        <p:cTn id="1" dur="indefinite" restart="never" nodeType="tmRoot"/>
-      </p:par>
-    </p:tnLst>
-  </p:timing>
 </p:sld>
 </file>
 
@@ -10752,7 +10693,7 @@
           <a:lstStyle/>
           <a:p>
             <a:r>
-              <a:rPr lang="es-ES" dirty="0" smtClean="0"/>
+              <a:rPr lang="es-ES" dirty="0"/>
               <a:t>Integración continua</a:t>
             </a:r>
             <a:endParaRPr lang="es-CO" dirty="0"/>
@@ -10782,7 +10723,7 @@
           <a:lstStyle/>
           <a:p>
             <a:r>
-              <a:rPr lang="es-ES" dirty="0" smtClean="0"/>
+              <a:rPr lang="es-ES" dirty="0"/>
               <a:t>Se puede usar GitHub también para hacer un proceso de integración continua.</a:t>
             </a:r>
           </a:p>
@@ -10791,7 +10732,7 @@
           </a:p>
           <a:p>
             <a:r>
-              <a:rPr lang="es-ES" dirty="0" smtClean="0"/>
+              <a:rPr lang="es-ES" dirty="0"/>
               <a:t>Significa que podemos activar un proceso, luego cambiar la versión en un repositorio GitHub.</a:t>
             </a:r>
           </a:p>
@@ -10800,7 +10741,7 @@
           </a:p>
           <a:p>
             <a:r>
-              <a:rPr lang="es-ES" dirty="0" smtClean="0"/>
+              <a:rPr lang="es-ES" dirty="0"/>
               <a:t>El proceso consiste en compilar testear y desplegar una plataforma web.</a:t>
             </a:r>
           </a:p>
@@ -10993,10 +10934,9 @@
           <a:p>
             <a:pPr algn="ctr"/>
             <a:r>
-              <a:rPr lang="es-ES" dirty="0" smtClean="0"/>
+              <a:rPr lang="es-ES" dirty="0"/>
               <a:t>GIT/GitHub</a:t>
             </a:r>
-            <a:endParaRPr lang="es-ES" dirty="0"/>
           </a:p>
         </p:txBody>
       </p:sp>
@@ -11023,15 +10963,15 @@
           <a:p>
             <a:pPr algn="ctr"/>
             <a:r>
-              <a:rPr lang="es-ES" dirty="0" err="1" smtClean="0"/>
+              <a:rPr lang="es-ES" dirty="0" err="1"/>
               <a:t>Build</a:t>
             </a:r>
             <a:r>
-              <a:rPr lang="es-ES" dirty="0" smtClean="0"/>
+              <a:rPr lang="es-ES" dirty="0"/>
               <a:t>/Test/</a:t>
             </a:r>
             <a:r>
-              <a:rPr lang="es-ES" dirty="0" err="1" smtClean="0"/>
+              <a:rPr lang="es-ES" dirty="0" err="1"/>
               <a:t>Deploy</a:t>
             </a:r>
             <a:endParaRPr lang="es-ES" dirty="0"/>
@@ -11061,10 +11001,9 @@
           <a:p>
             <a:pPr algn="ctr"/>
             <a:r>
-              <a:rPr lang="es-ES" dirty="0" smtClean="0"/>
+              <a:rPr lang="es-ES" dirty="0"/>
               <a:t>WEB</a:t>
             </a:r>
-            <a:endParaRPr lang="es-ES" dirty="0"/>
           </a:p>
         </p:txBody>
       </p:sp>
@@ -11130,7 +11069,7 @@
           <a:p>
             <a:pPr algn="ctr"/>
             <a:r>
-              <a:rPr lang="es-ES" dirty="0" err="1" smtClean="0"/>
+              <a:rPr lang="es-ES" dirty="0" err="1"/>
               <a:t>Developers</a:t>
             </a:r>
             <a:endParaRPr lang="es-ES" dirty="0"/>
@@ -11343,11 +11282,11 @@
           <a:lstStyle/>
           <a:p>
             <a:r>
-              <a:rPr lang="es-ES" dirty="0" smtClean="0"/>
+              <a:rPr lang="es-ES" dirty="0"/>
               <a:t>Web </a:t>
             </a:r>
             <a:r>
-              <a:rPr lang="es-ES" dirty="0" err="1" smtClean="0"/>
+              <a:rPr lang="es-ES" dirty="0" err="1"/>
               <a:t>hook</a:t>
             </a:r>
             <a:endParaRPr lang="es-CO" dirty="0"/>
@@ -11474,13 +11413,445 @@
   <p:clrMapOvr>
     <a:masterClrMapping/>
   </p:clrMapOvr>
-  <p:timing>
-    <p:tnLst>
-      <p:par>
-        <p:cTn id="1" dur="indefinite" restart="never" nodeType="tmRoot"/>
-      </p:par>
-    </p:tnLst>
-  </p:timing>
+</p:sld>
+</file>
+
+<file path=ppt/slides/slide18.xml><?xml version="1.0" encoding="utf-8"?>
+<p:sld xmlns:a="http://schemas.openxmlformats.org/drawingml/2006/main" xmlns:r="http://schemas.openxmlformats.org/officeDocument/2006/relationships" xmlns:p="http://schemas.openxmlformats.org/presentationml/2006/main">
+  <p:cSld>
+    <p:spTree>
+      <p:nvGrpSpPr>
+        <p:cNvPr id="1" name=""/>
+        <p:cNvGrpSpPr/>
+        <p:nvPr/>
+      </p:nvGrpSpPr>
+      <p:grpSpPr>
+        <a:xfrm>
+          <a:off x="0" y="0"/>
+          <a:ext cx="0" cy="0"/>
+          <a:chOff x="0" y="0"/>
+          <a:chExt cx="0" cy="0"/>
+        </a:xfrm>
+      </p:grpSpPr>
+      <p:sp>
+        <p:nvSpPr>
+          <p:cNvPr id="2" name="Título 1"/>
+          <p:cNvSpPr>
+            <a:spLocks noGrp="1"/>
+          </p:cNvSpPr>
+          <p:nvPr>
+            <p:ph type="title"/>
+          </p:nvPr>
+        </p:nvSpPr>
+        <p:spPr/>
+        <p:txBody>
+          <a:bodyPr/>
+          <a:lstStyle/>
+          <a:p>
+            <a:r>
+              <a:rPr lang="es-ES" dirty="0"/>
+              <a:t>Orden del pasaporte</a:t>
+            </a:r>
+            <a:endParaRPr lang="es-CO" dirty="0"/>
+          </a:p>
+        </p:txBody>
+      </p:sp>
+      <p:pic>
+        <p:nvPicPr>
+          <p:cNvPr id="4" name="Picture 2" descr="Resultado de imagen de git logo&quot;"/>
+          <p:cNvPicPr>
+            <a:picLocks noChangeAspect="1" noChangeArrowheads="1"/>
+          </p:cNvPicPr>
+          <p:nvPr/>
+        </p:nvPicPr>
+        <p:blipFill>
+          <a:blip r:embed="rId2">
+            <a:extLst>
+              <a:ext uri="{28A0092B-C50C-407E-A947-70E740481C1C}">
+                <a14:useLocalDpi xmlns:a14="http://schemas.microsoft.com/office/drawing/2010/main" val="0"/>
+              </a:ext>
+            </a:extLst>
+          </a:blip>
+          <a:srcRect/>
+          <a:stretch>
+            <a:fillRect/>
+          </a:stretch>
+        </p:blipFill>
+        <p:spPr bwMode="auto">
+          <a:xfrm>
+            <a:off x="167140" y="6426100"/>
+            <a:ext cx="932911" cy="389567"/>
+          </a:xfrm>
+          <a:prstGeom prst="rect">
+            <a:avLst/>
+          </a:prstGeom>
+          <a:noFill/>
+          <a:extLst>
+            <a:ext uri="{909E8E84-426E-40DD-AFC4-6F175D3DCCD1}">
+              <a14:hiddenFill xmlns:a14="http://schemas.microsoft.com/office/drawing/2010/main">
+                <a:solidFill>
+                  <a:srgbClr val="FFFFFF"/>
+                </a:solidFill>
+              </a14:hiddenFill>
+            </a:ext>
+          </a:extLst>
+        </p:spPr>
+      </p:pic>
+      <p:sp>
+        <p:nvSpPr>
+          <p:cNvPr id="16" name="Rectangle 15">
+            <a:extLst>
+              <a:ext uri="{FF2B5EF4-FFF2-40B4-BE49-F238E27FC236}">
+                <a16:creationId xmlns:a16="http://schemas.microsoft.com/office/drawing/2014/main" id="{771C2A88-F602-B948-B5B4-B8C407E107FC}"/>
+              </a:ext>
+            </a:extLst>
+          </p:cNvPr>
+          <p:cNvSpPr/>
+          <p:nvPr/>
+        </p:nvSpPr>
+        <p:spPr>
+          <a:xfrm>
+            <a:off x="1720133" y="2570920"/>
+            <a:ext cx="1765190" cy="1765190"/>
+          </a:xfrm>
+          <a:prstGeom prst="rect">
+            <a:avLst/>
+          </a:prstGeom>
+        </p:spPr>
+        <p:style>
+          <a:lnRef idx="2">
+            <a:schemeClr val="accent1">
+              <a:shade val="50000"/>
+            </a:schemeClr>
+          </a:lnRef>
+          <a:fillRef idx="1">
+            <a:schemeClr val="accent1"/>
+          </a:fillRef>
+          <a:effectRef idx="0">
+            <a:schemeClr val="accent1"/>
+          </a:effectRef>
+          <a:fontRef idx="minor">
+            <a:schemeClr val="lt1"/>
+          </a:fontRef>
+        </p:style>
+        <p:txBody>
+          <a:bodyPr rtlCol="0" anchor="ctr"/>
+          <a:lstStyle/>
+          <a:p>
+            <a:pPr algn="ctr"/>
+            <a:r>
+              <a:rPr lang="en-US" dirty="0" err="1"/>
+              <a:t>Sesión</a:t>
+            </a:r>
+            <a:r>
+              <a:rPr lang="en-US" dirty="0"/>
+              <a:t> 1</a:t>
+            </a:r>
+          </a:p>
+          <a:p>
+            <a:pPr algn="ctr"/>
+            <a:endParaRPr lang="en-US" dirty="0"/>
+          </a:p>
+          <a:p>
+            <a:pPr algn="ctr"/>
+            <a:r>
+              <a:rPr lang="en-US" dirty="0"/>
+              <a:t>GIT</a:t>
+            </a:r>
+          </a:p>
+          <a:p>
+            <a:pPr algn="ctr"/>
+            <a:r>
+              <a:rPr lang="en-US" dirty="0"/>
+              <a:t>Remotes</a:t>
+            </a:r>
+          </a:p>
+          <a:p>
+            <a:pPr algn="ctr"/>
+            <a:r>
+              <a:rPr lang="en-US" dirty="0"/>
+              <a:t>Reset</a:t>
+            </a:r>
+          </a:p>
+        </p:txBody>
+      </p:sp>
+      <p:sp>
+        <p:nvSpPr>
+          <p:cNvPr id="25" name="Rectangle 24">
+            <a:extLst>
+              <a:ext uri="{FF2B5EF4-FFF2-40B4-BE49-F238E27FC236}">
+                <a16:creationId xmlns:a16="http://schemas.microsoft.com/office/drawing/2014/main" id="{93687A43-55A2-C444-819F-4F3D67EA2F89}"/>
+              </a:ext>
+            </a:extLst>
+          </p:cNvPr>
+          <p:cNvSpPr/>
+          <p:nvPr/>
+        </p:nvSpPr>
+        <p:spPr>
+          <a:xfrm>
+            <a:off x="5251837" y="2570920"/>
+            <a:ext cx="1765190" cy="1765190"/>
+          </a:xfrm>
+          <a:prstGeom prst="rect">
+            <a:avLst/>
+          </a:prstGeom>
+        </p:spPr>
+        <p:style>
+          <a:lnRef idx="2">
+            <a:schemeClr val="accent1">
+              <a:shade val="50000"/>
+            </a:schemeClr>
+          </a:lnRef>
+          <a:fillRef idx="1">
+            <a:schemeClr val="accent1"/>
+          </a:fillRef>
+          <a:effectRef idx="0">
+            <a:schemeClr val="accent1"/>
+          </a:effectRef>
+          <a:fontRef idx="minor">
+            <a:schemeClr val="lt1"/>
+          </a:fontRef>
+        </p:style>
+        <p:txBody>
+          <a:bodyPr rtlCol="0" anchor="ctr"/>
+          <a:lstStyle/>
+          <a:p>
+            <a:pPr algn="ctr"/>
+            <a:r>
+              <a:rPr lang="en-US" dirty="0" err="1"/>
+              <a:t>Sesión</a:t>
+            </a:r>
+            <a:r>
+              <a:rPr lang="en-US" dirty="0"/>
+              <a:t> 2</a:t>
+            </a:r>
+          </a:p>
+          <a:p>
+            <a:pPr algn="ctr"/>
+            <a:endParaRPr lang="en-US" dirty="0"/>
+          </a:p>
+          <a:p>
+            <a:pPr algn="ctr"/>
+            <a:r>
+              <a:rPr lang="en-US" dirty="0" err="1"/>
+              <a:t>Gitflow</a:t>
+            </a:r>
+            <a:r>
+              <a:rPr lang="en-US" dirty="0"/>
+              <a:t> Workflow</a:t>
+            </a:r>
+          </a:p>
+          <a:p>
+            <a:pPr algn="ctr"/>
+            <a:r>
+              <a:rPr lang="en-US" dirty="0"/>
+              <a:t>Branches</a:t>
+            </a:r>
+          </a:p>
+          <a:p>
+            <a:pPr algn="ctr"/>
+            <a:r>
+              <a:rPr lang="en-US" dirty="0" err="1"/>
+              <a:t>Trabajo</a:t>
+            </a:r>
+            <a:r>
+              <a:rPr lang="en-US" dirty="0"/>
+              <a:t> </a:t>
+            </a:r>
+            <a:r>
+              <a:rPr lang="en-US" dirty="0" err="1"/>
+              <a:t>en</a:t>
+            </a:r>
+            <a:r>
+              <a:rPr lang="en-US" dirty="0"/>
+              <a:t> </a:t>
+            </a:r>
+            <a:r>
+              <a:rPr lang="en-US" dirty="0" err="1"/>
+              <a:t>equipo</a:t>
+            </a:r>
+            <a:endParaRPr lang="en-US" dirty="0"/>
+          </a:p>
+        </p:txBody>
+      </p:sp>
+      <p:sp>
+        <p:nvSpPr>
+          <p:cNvPr id="26" name="Rectangle 25">
+            <a:extLst>
+              <a:ext uri="{FF2B5EF4-FFF2-40B4-BE49-F238E27FC236}">
+                <a16:creationId xmlns:a16="http://schemas.microsoft.com/office/drawing/2014/main" id="{AE6F882A-BB72-2049-8357-3A81CA76CEAC}"/>
+              </a:ext>
+            </a:extLst>
+          </p:cNvPr>
+          <p:cNvSpPr/>
+          <p:nvPr/>
+        </p:nvSpPr>
+        <p:spPr>
+          <a:xfrm>
+            <a:off x="8783541" y="2570920"/>
+            <a:ext cx="1765190" cy="1765190"/>
+          </a:xfrm>
+          <a:prstGeom prst="rect">
+            <a:avLst/>
+          </a:prstGeom>
+        </p:spPr>
+        <p:style>
+          <a:lnRef idx="2">
+            <a:schemeClr val="accent1">
+              <a:shade val="50000"/>
+            </a:schemeClr>
+          </a:lnRef>
+          <a:fillRef idx="1">
+            <a:schemeClr val="accent1"/>
+          </a:fillRef>
+          <a:effectRef idx="0">
+            <a:schemeClr val="accent1"/>
+          </a:effectRef>
+          <a:fontRef idx="minor">
+            <a:schemeClr val="lt1"/>
+          </a:fontRef>
+        </p:style>
+        <p:txBody>
+          <a:bodyPr rtlCol="0" anchor="ctr"/>
+          <a:lstStyle/>
+          <a:p>
+            <a:pPr algn="ctr"/>
+            <a:r>
+              <a:rPr lang="en-US" dirty="0" err="1"/>
+              <a:t>Sesión</a:t>
+            </a:r>
+            <a:r>
+              <a:rPr lang="en-US" dirty="0"/>
+              <a:t> 3</a:t>
+            </a:r>
+          </a:p>
+          <a:p>
+            <a:pPr algn="ctr"/>
+            <a:endParaRPr lang="en-US" dirty="0"/>
+          </a:p>
+          <a:p>
+            <a:pPr algn="ctr"/>
+            <a:r>
+              <a:rPr lang="en-US" dirty="0"/>
+              <a:t>Forking Workflow</a:t>
+            </a:r>
+          </a:p>
+          <a:p>
+            <a:pPr algn="ctr"/>
+            <a:r>
+              <a:rPr lang="en-US" dirty="0"/>
+              <a:t>Forks</a:t>
+            </a:r>
+          </a:p>
+          <a:p>
+            <a:pPr algn="ctr"/>
+            <a:r>
+              <a:rPr lang="en-US" dirty="0" err="1"/>
+              <a:t>Trabajo</a:t>
+            </a:r>
+            <a:r>
+              <a:rPr lang="en-US" dirty="0"/>
+              <a:t> </a:t>
+            </a:r>
+            <a:r>
+              <a:rPr lang="en-US" dirty="0" err="1"/>
+              <a:t>colaborativo</a:t>
+            </a:r>
+            <a:endParaRPr lang="en-US" dirty="0"/>
+          </a:p>
+        </p:txBody>
+      </p:sp>
+      <p:cxnSp>
+        <p:nvCxnSpPr>
+          <p:cNvPr id="20" name="Straight Arrow Connector 19">
+            <a:extLst>
+              <a:ext uri="{FF2B5EF4-FFF2-40B4-BE49-F238E27FC236}">
+                <a16:creationId xmlns:a16="http://schemas.microsoft.com/office/drawing/2014/main" id="{39216B07-F49C-FF41-B986-3C92D2C0164C}"/>
+              </a:ext>
+            </a:extLst>
+          </p:cNvPr>
+          <p:cNvCxnSpPr>
+            <a:stCxn id="16" idx="3"/>
+            <a:endCxn id="25" idx="1"/>
+          </p:cNvCxnSpPr>
+          <p:nvPr/>
+        </p:nvCxnSpPr>
+        <p:spPr>
+          <a:xfrm>
+            <a:off x="3485323" y="3453515"/>
+            <a:ext cx="1766514" cy="0"/>
+          </a:xfrm>
+          <a:prstGeom prst="straightConnector1">
+            <a:avLst/>
+          </a:prstGeom>
+          <a:ln w="57150">
+            <a:tailEnd type="triangle"/>
+          </a:ln>
+        </p:spPr>
+        <p:style>
+          <a:lnRef idx="1">
+            <a:schemeClr val="accent1"/>
+          </a:lnRef>
+          <a:fillRef idx="0">
+            <a:schemeClr val="accent1"/>
+          </a:fillRef>
+          <a:effectRef idx="0">
+            <a:schemeClr val="accent1"/>
+          </a:effectRef>
+          <a:fontRef idx="minor">
+            <a:schemeClr val="tx1"/>
+          </a:fontRef>
+        </p:style>
+      </p:cxnSp>
+      <p:cxnSp>
+        <p:nvCxnSpPr>
+          <p:cNvPr id="30" name="Straight Arrow Connector 29">
+            <a:extLst>
+              <a:ext uri="{FF2B5EF4-FFF2-40B4-BE49-F238E27FC236}">
+                <a16:creationId xmlns:a16="http://schemas.microsoft.com/office/drawing/2014/main" id="{AFBE8D63-34B4-7546-819D-626FCEBE7CE7}"/>
+              </a:ext>
+            </a:extLst>
+          </p:cNvPr>
+          <p:cNvCxnSpPr/>
+          <p:nvPr/>
+        </p:nvCxnSpPr>
+        <p:spPr>
+          <a:xfrm>
+            <a:off x="7017027" y="3453515"/>
+            <a:ext cx="1766514" cy="0"/>
+          </a:xfrm>
+          <a:prstGeom prst="straightConnector1">
+            <a:avLst/>
+          </a:prstGeom>
+          <a:ln w="57150">
+            <a:tailEnd type="triangle"/>
+          </a:ln>
+        </p:spPr>
+        <p:style>
+          <a:lnRef idx="1">
+            <a:schemeClr val="accent1"/>
+          </a:lnRef>
+          <a:fillRef idx="0">
+            <a:schemeClr val="accent1"/>
+          </a:fillRef>
+          <a:effectRef idx="0">
+            <a:schemeClr val="accent1"/>
+          </a:effectRef>
+          <a:fontRef idx="minor">
+            <a:schemeClr val="tx1"/>
+          </a:fontRef>
+        </p:style>
+      </p:cxnSp>
+    </p:spTree>
+    <p:extLst>
+      <p:ext uri="{BB962C8B-B14F-4D97-AF65-F5344CB8AC3E}">
+        <p14:creationId xmlns:p14="http://schemas.microsoft.com/office/powerpoint/2010/main" val="3855082892"/>
+      </p:ext>
+    </p:extLst>
+  </p:cSld>
+  <p:clrMapOvr>
+    <a:masterClrMapping/>
+  </p:clrMapOvr>
 </p:sld>
 </file>
 
@@ -11517,7 +11888,7 @@
           <a:lstStyle/>
           <a:p>
             <a:r>
-              <a:rPr lang="es-ES" dirty="0" smtClean="0"/>
+              <a:rPr lang="es-ES" dirty="0"/>
               <a:t>Sistemas de control de versiones</a:t>
             </a:r>
             <a:endParaRPr lang="es-CO" dirty="0"/>
@@ -11616,13 +11987,6 @@
   <p:clrMapOvr>
     <a:masterClrMapping/>
   </p:clrMapOvr>
-  <p:timing>
-    <p:tnLst>
-      <p:par>
-        <p:cTn id="1" dur="indefinite" restart="never" nodeType="tmRoot"/>
-      </p:par>
-    </p:tnLst>
-  </p:timing>
 </p:sld>
 </file>
 
@@ -11659,7 +12023,7 @@
           <a:lstStyle/>
           <a:p>
             <a:r>
-              <a:rPr lang="es-ES" dirty="0" smtClean="0"/>
+              <a:rPr lang="es-ES" dirty="0"/>
               <a:t>Sistemas de control de versiones</a:t>
             </a:r>
             <a:endParaRPr lang="es-CO" dirty="0"/>
@@ -11689,44 +12053,43 @@
           <a:lstStyle/>
           <a:p>
             <a:r>
-              <a:rPr lang="es-ES" dirty="0" smtClean="0"/>
+              <a:rPr lang="es-ES" dirty="0"/>
               <a:t>Son sistemas que permiten hacer seguimiento de </a:t>
             </a:r>
             <a:r>
-              <a:rPr lang="es-ES" b="1" i="1" dirty="0" smtClean="0"/>
+              <a:rPr lang="es-ES" b="1" i="1" dirty="0"/>
               <a:t>elementos </a:t>
             </a:r>
             <a:r>
-              <a:rPr lang="es-ES" dirty="0" smtClean="0"/>
+              <a:rPr lang="es-ES" dirty="0"/>
               <a:t>de un </a:t>
             </a:r>
             <a:r>
-              <a:rPr lang="es-ES" b="1" i="1" dirty="0" smtClean="0"/>
+              <a:rPr lang="es-ES" b="1" i="1" dirty="0"/>
               <a:t>producto</a:t>
             </a:r>
             <a:r>
-              <a:rPr lang="es-ES" dirty="0" smtClean="0"/>
+              <a:rPr lang="es-ES" dirty="0"/>
               <a:t> con el fin de  gestionar sus </a:t>
             </a:r>
             <a:r>
-              <a:rPr lang="es-ES" b="1" i="1" dirty="0" smtClean="0"/>
+              <a:rPr lang="es-ES" b="1" i="1" dirty="0"/>
               <a:t>versiones</a:t>
             </a:r>
             <a:r>
               <a:rPr lang="es-ES" dirty="0"/>
               <a:t>.</a:t>
             </a:r>
-            <a:endParaRPr lang="es-ES" dirty="0" smtClean="0"/>
           </a:p>
           <a:p>
             <a:pPr marL="0" indent="0">
               <a:buNone/>
             </a:pPr>
-            <a:endParaRPr lang="es-ES" dirty="0" smtClean="0"/>
-          </a:p>
-          <a:p>
-            <a:r>
-              <a:rPr lang="es-ES" dirty="0" smtClean="0"/>
+            <a:endParaRPr lang="es-ES" dirty="0"/>
+          </a:p>
+          <a:p>
+            <a:r>
+              <a:rPr lang="es-ES" dirty="0"/>
               <a:t>Aunque esta gestión se puede hacer de forma manual, se recomienda un sistema que haga seguimientos automáticos.</a:t>
             </a:r>
           </a:p>
@@ -11735,23 +12098,23 @@
           </a:p>
           <a:p>
             <a:r>
-              <a:rPr lang="es-ES" dirty="0" smtClean="0"/>
+              <a:rPr lang="es-ES" dirty="0"/>
               <a:t>Los </a:t>
             </a:r>
             <a:r>
-              <a:rPr lang="es-ES" b="1" i="1" dirty="0" smtClean="0"/>
+              <a:rPr lang="es-ES" b="1" i="1" dirty="0"/>
               <a:t>productos </a:t>
             </a:r>
             <a:r>
-              <a:rPr lang="es-ES" dirty="0" smtClean="0"/>
+              <a:rPr lang="es-ES" dirty="0"/>
               <a:t>son principalmente proyectos de software que estarán en una carpeta que contiene todos sus </a:t>
             </a:r>
             <a:r>
-              <a:rPr lang="es-ES" b="1" i="1" dirty="0" smtClean="0"/>
+              <a:rPr lang="es-ES" b="1" i="1" dirty="0"/>
               <a:t>elementos</a:t>
             </a:r>
             <a:r>
-              <a:rPr lang="es-ES" dirty="0" smtClean="0"/>
+              <a:rPr lang="es-ES" dirty="0"/>
               <a:t>.</a:t>
             </a:r>
           </a:p>
@@ -11759,7 +12122,7 @@
             <a:endParaRPr lang="es-ES" dirty="0"/>
           </a:p>
           <a:p>
-            <a:endParaRPr lang="es-ES" dirty="0" smtClean="0"/>
+            <a:endParaRPr lang="es-ES" dirty="0"/>
           </a:p>
         </p:txBody>
       </p:sp>
@@ -11841,7 +12204,7 @@
           <a:p>
             <a:pPr algn="ctr"/>
             <a:r>
-              <a:rPr lang="es-ES" dirty="0" smtClean="0"/>
+              <a:rPr lang="es-ES" dirty="0"/>
               <a:t>Versión 1</a:t>
             </a:r>
             <a:endParaRPr lang="es-CO" dirty="0"/>
@@ -11885,7 +12248,7 @@
           <a:p>
             <a:pPr algn="ctr"/>
             <a:r>
-              <a:rPr lang="es-ES" dirty="0" smtClean="0"/>
+              <a:rPr lang="es-ES" dirty="0"/>
               <a:t>Versión 2</a:t>
             </a:r>
             <a:endParaRPr lang="es-CO" dirty="0"/>
@@ -11929,7 +12292,7 @@
           <a:p>
             <a:pPr algn="ctr"/>
             <a:r>
-              <a:rPr lang="es-ES" dirty="0" smtClean="0"/>
+              <a:rPr lang="es-ES" dirty="0"/>
               <a:t>Versión 3</a:t>
             </a:r>
             <a:endParaRPr lang="es-CO" dirty="0"/>
@@ -12064,7 +12427,7 @@
           <a:lstStyle/>
           <a:p>
             <a:r>
-              <a:rPr lang="es-ES" dirty="0" smtClean="0"/>
+              <a:rPr lang="es-ES" dirty="0"/>
               <a:t>Tiempo</a:t>
             </a:r>
             <a:endParaRPr lang="es-CO" dirty="0"/>
@@ -12081,13 +12444,6 @@
   <p:clrMapOvr>
     <a:masterClrMapping/>
   </p:clrMapOvr>
-  <p:timing>
-    <p:tnLst>
-      <p:par>
-        <p:cTn id="1" dur="indefinite" restart="never" nodeType="tmRoot"/>
-      </p:par>
-    </p:tnLst>
-  </p:timing>
 </p:sld>
 </file>
 
@@ -12124,7 +12480,7 @@
           <a:lstStyle/>
           <a:p>
             <a:r>
-              <a:rPr lang="es-ES" dirty="0" smtClean="0"/>
+              <a:rPr lang="es-ES" dirty="0"/>
               <a:t>Sistemas de control de versiones</a:t>
             </a:r>
             <a:endParaRPr lang="es-CO" dirty="0"/>
@@ -12154,7 +12510,7 @@
           <a:lstStyle/>
           <a:p>
             <a:r>
-              <a:rPr lang="es-ES" dirty="0" smtClean="0"/>
+              <a:rPr lang="es-ES" dirty="0"/>
               <a:t>Un sistema de control de versiones debe tener:</a:t>
             </a:r>
           </a:p>
@@ -12162,13 +12518,13 @@
             <a:endParaRPr lang="es-ES" dirty="0"/>
           </a:p>
           <a:p>
-            <a:endParaRPr lang="es-ES" dirty="0" smtClean="0"/>
-          </a:p>
-          <a:p>
             <a:endParaRPr lang="es-ES" dirty="0"/>
           </a:p>
           <a:p>
-            <a:endParaRPr lang="es-ES" dirty="0" smtClean="0"/>
+            <a:endParaRPr lang="es-ES" dirty="0"/>
+          </a:p>
+          <a:p>
+            <a:endParaRPr lang="es-ES" dirty="0"/>
           </a:p>
         </p:txBody>
       </p:sp>
@@ -12250,7 +12606,7 @@
           <a:p>
             <a:pPr algn="ctr"/>
             <a:r>
-              <a:rPr lang="es-ES" dirty="0" smtClean="0"/>
+              <a:rPr lang="es-ES" dirty="0"/>
               <a:t>Versión 1</a:t>
             </a:r>
             <a:endParaRPr lang="es-CO" dirty="0"/>
@@ -12294,7 +12650,7 @@
           <a:p>
             <a:pPr algn="ctr"/>
             <a:r>
-              <a:rPr lang="es-ES" dirty="0" smtClean="0"/>
+              <a:rPr lang="es-ES" dirty="0"/>
               <a:t>Versión 2</a:t>
             </a:r>
             <a:endParaRPr lang="es-CO" dirty="0"/>
@@ -12338,7 +12694,7 @@
           <a:p>
             <a:pPr algn="ctr"/>
             <a:r>
-              <a:rPr lang="es-ES" dirty="0" smtClean="0"/>
+              <a:rPr lang="es-ES" dirty="0"/>
               <a:t>Versión 3</a:t>
             </a:r>
             <a:endParaRPr lang="es-CO" dirty="0"/>
@@ -12473,7 +12829,7 @@
           <a:lstStyle/>
           <a:p>
             <a:r>
-              <a:rPr lang="es-ES" dirty="0" smtClean="0"/>
+              <a:rPr lang="es-ES" dirty="0"/>
               <a:t>Tiempo</a:t>
             </a:r>
             <a:endParaRPr lang="es-CO" dirty="0"/>
@@ -12542,7 +12898,7 @@
           <a:lstStyle/>
           <a:p>
             <a:r>
-              <a:rPr lang="es-ES" dirty="0" smtClean="0"/>
+              <a:rPr lang="es-ES" dirty="0"/>
               <a:t>Cronología</a:t>
             </a:r>
             <a:endParaRPr lang="es-CO" dirty="0"/>
@@ -12611,7 +12967,7 @@
           <a:lstStyle/>
           <a:p>
             <a:r>
-              <a:rPr lang="es-ES" dirty="0" smtClean="0"/>
+              <a:rPr lang="es-ES" dirty="0"/>
               <a:t>Seguimiento de cambios</a:t>
             </a:r>
             <a:endParaRPr lang="es-CO" dirty="0"/>
@@ -12680,7 +13036,7 @@
           <a:lstStyle/>
           <a:p>
             <a:r>
-              <a:rPr lang="es-ES" dirty="0" smtClean="0"/>
+              <a:rPr lang="es-ES" dirty="0"/>
               <a:t>Almacenamiento</a:t>
             </a:r>
             <a:endParaRPr lang="es-CO" dirty="0"/>
@@ -12697,13 +13053,6 @@
   <p:clrMapOvr>
     <a:masterClrMapping/>
   </p:clrMapOvr>
-  <p:timing>
-    <p:tnLst>
-      <p:par>
-        <p:cTn id="1" dur="indefinite" restart="never" nodeType="tmRoot"/>
-      </p:par>
-    </p:tnLst>
-  </p:timing>
 </p:sld>
 </file>
 
@@ -12740,7 +13089,7 @@
           <a:lstStyle/>
           <a:p>
             <a:r>
-              <a:rPr lang="es-ES" dirty="0" smtClean="0"/>
+              <a:rPr lang="es-ES" dirty="0"/>
               <a:t>Sistemas de control de versiones</a:t>
             </a:r>
             <a:endParaRPr lang="es-CO" dirty="0"/>
@@ -12770,7 +13119,7 @@
           <a:lstStyle/>
           <a:p>
             <a:r>
-              <a:rPr lang="es-ES" dirty="0" smtClean="0"/>
+              <a:rPr lang="es-ES" dirty="0"/>
               <a:t>Un sistema de control de versiones debe tener:</a:t>
             </a:r>
           </a:p>
@@ -12778,13 +13127,13 @@
             <a:endParaRPr lang="es-ES" dirty="0"/>
           </a:p>
           <a:p>
-            <a:endParaRPr lang="es-ES" dirty="0" smtClean="0"/>
-          </a:p>
-          <a:p>
             <a:endParaRPr lang="es-ES" dirty="0"/>
           </a:p>
           <a:p>
-            <a:endParaRPr lang="es-ES" dirty="0" smtClean="0"/>
+            <a:endParaRPr lang="es-ES" dirty="0"/>
+          </a:p>
+          <a:p>
+            <a:endParaRPr lang="es-ES" dirty="0"/>
           </a:p>
         </p:txBody>
       </p:sp>
@@ -12866,7 +13215,7 @@
           <a:p>
             <a:pPr algn="ctr"/>
             <a:r>
-              <a:rPr lang="es-ES" dirty="0" smtClean="0"/>
+              <a:rPr lang="es-ES" dirty="0"/>
               <a:t>Versión 1</a:t>
             </a:r>
             <a:endParaRPr lang="es-CO" dirty="0"/>
@@ -12910,7 +13259,7 @@
           <a:p>
             <a:pPr algn="ctr"/>
             <a:r>
-              <a:rPr lang="es-ES" dirty="0" smtClean="0"/>
+              <a:rPr lang="es-ES" dirty="0"/>
               <a:t>Versión 2</a:t>
             </a:r>
             <a:endParaRPr lang="es-CO" dirty="0"/>
@@ -12954,7 +13303,7 @@
           <a:p>
             <a:pPr algn="ctr"/>
             <a:r>
-              <a:rPr lang="es-ES" dirty="0" smtClean="0"/>
+              <a:rPr lang="es-ES" dirty="0"/>
               <a:t>Versión 3</a:t>
             </a:r>
             <a:endParaRPr lang="es-CO" dirty="0"/>
@@ -13089,7 +13438,7 @@
           <a:lstStyle/>
           <a:p>
             <a:r>
-              <a:rPr lang="es-ES" dirty="0" smtClean="0"/>
+              <a:rPr lang="es-ES" dirty="0"/>
               <a:t>Tiempo</a:t>
             </a:r>
             <a:endParaRPr lang="es-CO" dirty="0"/>
@@ -13158,7 +13507,7 @@
           <a:lstStyle/>
           <a:p>
             <a:r>
-              <a:rPr lang="es-ES" dirty="0" smtClean="0"/>
+              <a:rPr lang="es-ES" dirty="0"/>
               <a:t>Cronología</a:t>
             </a:r>
             <a:endParaRPr lang="es-CO" dirty="0"/>
@@ -13227,7 +13576,7 @@
           <a:lstStyle/>
           <a:p>
             <a:r>
-              <a:rPr lang="es-ES" dirty="0" smtClean="0"/>
+              <a:rPr lang="es-ES" dirty="0"/>
               <a:t>Seguimiento de cambios</a:t>
             </a:r>
             <a:endParaRPr lang="es-CO" dirty="0"/>
@@ -13296,7 +13645,7 @@
           <a:lstStyle/>
           <a:p>
             <a:r>
-              <a:rPr lang="es-ES" dirty="0" smtClean="0"/>
+              <a:rPr lang="es-ES" dirty="0"/>
               <a:t>Almacenamiento</a:t>
             </a:r>
             <a:endParaRPr lang="es-CO" dirty="0"/>
@@ -13325,7 +13674,7 @@
           <a:lstStyle/>
           <a:p>
             <a:r>
-              <a:rPr lang="es-ES" dirty="0" smtClean="0"/>
+              <a:rPr lang="es-ES" dirty="0"/>
               <a:t>Permite ordenar cada modificación que sufra el proyecto a lo largo del tiempo.</a:t>
             </a:r>
           </a:p>
@@ -13334,7 +13683,7 @@
           </a:p>
           <a:p>
             <a:r>
-              <a:rPr lang="es-ES" dirty="0" smtClean="0"/>
+              <a:rPr lang="es-ES" dirty="0"/>
               <a:t>Se usa para tener puntos de recuperación o restauración en caso de errores de una versión a otra.</a:t>
             </a:r>
             <a:endParaRPr lang="es-CO" dirty="0"/>
@@ -13384,13 +13733,6 @@
   <p:clrMapOvr>
     <a:masterClrMapping/>
   </p:clrMapOvr>
-  <p:timing>
-    <p:tnLst>
-      <p:par>
-        <p:cTn id="1" dur="indefinite" restart="never" nodeType="tmRoot"/>
-      </p:par>
-    </p:tnLst>
-  </p:timing>
 </p:sld>
 </file>
 
@@ -13427,7 +13769,7 @@
           <a:lstStyle/>
           <a:p>
             <a:r>
-              <a:rPr lang="es-ES" dirty="0" smtClean="0"/>
+              <a:rPr lang="es-ES" dirty="0"/>
               <a:t>Sistemas de control de versiones</a:t>
             </a:r>
             <a:endParaRPr lang="es-CO" dirty="0"/>
@@ -13457,7 +13799,7 @@
           <a:lstStyle/>
           <a:p>
             <a:r>
-              <a:rPr lang="es-ES" dirty="0" smtClean="0"/>
+              <a:rPr lang="es-ES" dirty="0"/>
               <a:t>Un sistema de control de versiones debe tener:</a:t>
             </a:r>
           </a:p>
@@ -13465,13 +13807,13 @@
             <a:endParaRPr lang="es-ES" dirty="0"/>
           </a:p>
           <a:p>
-            <a:endParaRPr lang="es-ES" dirty="0" smtClean="0"/>
-          </a:p>
-          <a:p>
             <a:endParaRPr lang="es-ES" dirty="0"/>
           </a:p>
           <a:p>
-            <a:endParaRPr lang="es-ES" dirty="0" smtClean="0"/>
+            <a:endParaRPr lang="es-ES" dirty="0"/>
+          </a:p>
+          <a:p>
+            <a:endParaRPr lang="es-ES" dirty="0"/>
           </a:p>
         </p:txBody>
       </p:sp>
@@ -13553,7 +13895,7 @@
           <a:p>
             <a:pPr algn="ctr"/>
             <a:r>
-              <a:rPr lang="es-ES" dirty="0" smtClean="0"/>
+              <a:rPr lang="es-ES" dirty="0"/>
               <a:t>Versión 1</a:t>
             </a:r>
             <a:endParaRPr lang="es-CO" dirty="0"/>
@@ -13597,7 +13939,7 @@
           <a:p>
             <a:pPr algn="ctr"/>
             <a:r>
-              <a:rPr lang="es-ES" dirty="0" smtClean="0"/>
+              <a:rPr lang="es-ES" dirty="0"/>
               <a:t>Versión 2</a:t>
             </a:r>
             <a:endParaRPr lang="es-CO" dirty="0"/>
@@ -13641,7 +13983,7 @@
           <a:p>
             <a:pPr algn="ctr"/>
             <a:r>
-              <a:rPr lang="es-ES" dirty="0" smtClean="0"/>
+              <a:rPr lang="es-ES" dirty="0"/>
               <a:t>Versión 3</a:t>
             </a:r>
             <a:endParaRPr lang="es-CO" dirty="0"/>
@@ -13776,7 +14118,7 @@
           <a:lstStyle/>
           <a:p>
             <a:r>
-              <a:rPr lang="es-ES" dirty="0" smtClean="0"/>
+              <a:rPr lang="es-ES" dirty="0"/>
               <a:t>Tiempo</a:t>
             </a:r>
             <a:endParaRPr lang="es-CO" dirty="0"/>
@@ -13845,7 +14187,7 @@
           <a:lstStyle/>
           <a:p>
             <a:r>
-              <a:rPr lang="es-ES" dirty="0" smtClean="0"/>
+              <a:rPr lang="es-ES" dirty="0"/>
               <a:t>Cronología</a:t>
             </a:r>
             <a:endParaRPr lang="es-CO" dirty="0"/>
@@ -13914,7 +14256,7 @@
           <a:lstStyle/>
           <a:p>
             <a:r>
-              <a:rPr lang="es-ES" dirty="0" smtClean="0"/>
+              <a:rPr lang="es-ES" dirty="0"/>
               <a:t>Seguimiento de cambios</a:t>
             </a:r>
             <a:endParaRPr lang="es-CO" dirty="0"/>
@@ -13983,7 +14325,7 @@
           <a:lstStyle/>
           <a:p>
             <a:r>
-              <a:rPr lang="es-ES" dirty="0" smtClean="0"/>
+              <a:rPr lang="es-ES" dirty="0"/>
               <a:t>Almacenamiento</a:t>
             </a:r>
             <a:endParaRPr lang="es-CO" dirty="0"/>
@@ -14012,7 +14354,7 @@
           <a:lstStyle/>
           <a:p>
             <a:r>
-              <a:rPr lang="es-ES" dirty="0" smtClean="0"/>
+              <a:rPr lang="es-ES" dirty="0"/>
               <a:t>El sistema detecta cuando cualquiera de sus elementos ha sido modificado.</a:t>
             </a:r>
             <a:endParaRPr lang="es-CO" dirty="0"/>
@@ -14062,13 +14404,6 @@
   <p:clrMapOvr>
     <a:masterClrMapping/>
   </p:clrMapOvr>
-  <p:timing>
-    <p:tnLst>
-      <p:par>
-        <p:cTn id="1" dur="indefinite" restart="never" nodeType="tmRoot"/>
-      </p:par>
-    </p:tnLst>
-  </p:timing>
 </p:sld>
 </file>
 
@@ -14105,7 +14440,7 @@
           <a:lstStyle/>
           <a:p>
             <a:r>
-              <a:rPr lang="es-ES" dirty="0" smtClean="0"/>
+              <a:rPr lang="es-ES" dirty="0"/>
               <a:t>Sistemas de control de versiones</a:t>
             </a:r>
             <a:endParaRPr lang="es-CO" dirty="0"/>
@@ -14135,7 +14470,7 @@
           <a:lstStyle/>
           <a:p>
             <a:r>
-              <a:rPr lang="es-ES" dirty="0" smtClean="0"/>
+              <a:rPr lang="es-ES" dirty="0"/>
               <a:t>Un sistema de control de versiones debe tener:</a:t>
             </a:r>
           </a:p>
@@ -14143,13 +14478,13 @@
             <a:endParaRPr lang="es-ES" dirty="0"/>
           </a:p>
           <a:p>
-            <a:endParaRPr lang="es-ES" dirty="0" smtClean="0"/>
-          </a:p>
-          <a:p>
             <a:endParaRPr lang="es-ES" dirty="0"/>
           </a:p>
           <a:p>
-            <a:endParaRPr lang="es-ES" dirty="0" smtClean="0"/>
+            <a:endParaRPr lang="es-ES" dirty="0"/>
+          </a:p>
+          <a:p>
+            <a:endParaRPr lang="es-ES" dirty="0"/>
           </a:p>
         </p:txBody>
       </p:sp>
@@ -14231,7 +14566,7 @@
           <a:p>
             <a:pPr algn="ctr"/>
             <a:r>
-              <a:rPr lang="es-ES" dirty="0" smtClean="0"/>
+              <a:rPr lang="es-ES" dirty="0"/>
               <a:t>Versión 1</a:t>
             </a:r>
             <a:endParaRPr lang="es-CO" dirty="0"/>
@@ -14275,7 +14610,7 @@
           <a:p>
             <a:pPr algn="ctr"/>
             <a:r>
-              <a:rPr lang="es-ES" dirty="0" smtClean="0"/>
+              <a:rPr lang="es-ES" dirty="0"/>
               <a:t>Versión 2</a:t>
             </a:r>
             <a:endParaRPr lang="es-CO" dirty="0"/>
@@ -14319,7 +14654,7 @@
           <a:p>
             <a:pPr algn="ctr"/>
             <a:r>
-              <a:rPr lang="es-ES" dirty="0" smtClean="0"/>
+              <a:rPr lang="es-ES" dirty="0"/>
               <a:t>Versión 3</a:t>
             </a:r>
             <a:endParaRPr lang="es-CO" dirty="0"/>
@@ -14454,7 +14789,7 @@
           <a:lstStyle/>
           <a:p>
             <a:r>
-              <a:rPr lang="es-ES" dirty="0" smtClean="0"/>
+              <a:rPr lang="es-ES" dirty="0"/>
               <a:t>Tiempo</a:t>
             </a:r>
             <a:endParaRPr lang="es-CO" dirty="0"/>
@@ -14523,7 +14858,7 @@
           <a:lstStyle/>
           <a:p>
             <a:r>
-              <a:rPr lang="es-ES" dirty="0" smtClean="0"/>
+              <a:rPr lang="es-ES" dirty="0"/>
               <a:t>Cronología</a:t>
             </a:r>
             <a:endParaRPr lang="es-CO" dirty="0"/>
@@ -14592,7 +14927,7 @@
           <a:lstStyle/>
           <a:p>
             <a:r>
-              <a:rPr lang="es-ES" dirty="0" smtClean="0"/>
+              <a:rPr lang="es-ES" dirty="0"/>
               <a:t>Seguimiento de cambios</a:t>
             </a:r>
             <a:endParaRPr lang="es-CO" dirty="0"/>
@@ -14661,7 +14996,7 @@
           <a:lstStyle/>
           <a:p>
             <a:r>
-              <a:rPr lang="es-ES" dirty="0" smtClean="0"/>
+              <a:rPr lang="es-ES" dirty="0"/>
               <a:t>Almacenamiento</a:t>
             </a:r>
             <a:endParaRPr lang="es-CO" dirty="0"/>
@@ -14690,7 +15025,7 @@
           <a:lstStyle/>
           <a:p>
             <a:r>
-              <a:rPr lang="es-ES" dirty="0" smtClean="0"/>
+              <a:rPr lang="es-ES" dirty="0"/>
               <a:t>Finalmente y desde luego, debe poder almacenar cada una de las versiones del proyecto en caso de querer retornar o salvar algún cambio perdido durante el desarrollo</a:t>
             </a:r>
             <a:endParaRPr lang="es-CO" dirty="0"/>
@@ -14740,13 +15075,6 @@
   <p:clrMapOvr>
     <a:masterClrMapping/>
   </p:clrMapOvr>
-  <p:timing>
-    <p:tnLst>
-      <p:par>
-        <p:cTn id="1" dur="indefinite" restart="never" nodeType="tmRoot"/>
-      </p:par>
-    </p:tnLst>
-  </p:timing>
 </p:sld>
 </file>
 
@@ -14783,7 +15111,7 @@
           <a:lstStyle/>
           <a:p>
             <a:r>
-              <a:rPr lang="es-ES" dirty="0" smtClean="0"/>
+              <a:rPr lang="es-ES" dirty="0"/>
               <a:t>Sistemas de control de versiones</a:t>
             </a:r>
             <a:endParaRPr lang="es-CO" dirty="0"/>
@@ -14813,7 +15141,7 @@
           <a:lstStyle/>
           <a:p>
             <a:r>
-              <a:rPr lang="es-ES" dirty="0" smtClean="0"/>
+              <a:rPr lang="es-ES" dirty="0"/>
               <a:t>El más popular de estos sistemas es GIT aunque hay otras alternativas como:</a:t>
             </a:r>
           </a:p>
@@ -14822,21 +15150,21 @@
           </a:p>
           <a:p>
             <a:r>
-              <a:rPr lang="es-ES" dirty="0" err="1" smtClean="0"/>
+              <a:rPr lang="es-ES" dirty="0" err="1"/>
               <a:t>Bazaar</a:t>
             </a:r>
-            <a:endParaRPr lang="es-ES" dirty="0" smtClean="0"/>
-          </a:p>
-          <a:p>
-            <a:r>
-              <a:rPr lang="es-ES" dirty="0" err="1" smtClean="0"/>
+            <a:endParaRPr lang="es-ES" dirty="0"/>
+          </a:p>
+          <a:p>
+            <a:r>
+              <a:rPr lang="es-ES" dirty="0" err="1"/>
               <a:t>SubVersion</a:t>
             </a:r>
-            <a:endParaRPr lang="es-ES" dirty="0" smtClean="0"/>
-          </a:p>
-          <a:p>
-            <a:r>
-              <a:rPr lang="es-ES" dirty="0" smtClean="0"/>
+            <a:endParaRPr lang="es-ES" dirty="0"/>
+          </a:p>
+          <a:p>
+            <a:r>
+              <a:rPr lang="es-ES" dirty="0"/>
               <a:t>Mercurial</a:t>
             </a:r>
           </a:p>
@@ -14844,13 +15172,13 @@
             <a:endParaRPr lang="es-ES" dirty="0"/>
           </a:p>
           <a:p>
-            <a:endParaRPr lang="es-ES" dirty="0" smtClean="0"/>
-          </a:p>
-          <a:p>
             <a:endParaRPr lang="es-ES" dirty="0"/>
           </a:p>
           <a:p>
-            <a:endParaRPr lang="es-ES" dirty="0" smtClean="0"/>
+            <a:endParaRPr lang="es-ES" dirty="0"/>
+          </a:p>
+          <a:p>
+            <a:endParaRPr lang="es-ES" dirty="0"/>
           </a:p>
         </p:txBody>
       </p:sp>
@@ -14932,7 +15260,7 @@
           <a:p>
             <a:pPr algn="ctr"/>
             <a:r>
-              <a:rPr lang="es-ES" dirty="0" smtClean="0"/>
+              <a:rPr lang="es-ES" dirty="0"/>
               <a:t>Versión 1</a:t>
             </a:r>
             <a:endParaRPr lang="es-CO" dirty="0"/>
@@ -14976,7 +15304,7 @@
           <a:p>
             <a:pPr algn="ctr"/>
             <a:r>
-              <a:rPr lang="es-ES" dirty="0" smtClean="0"/>
+              <a:rPr lang="es-ES" dirty="0"/>
               <a:t>Versión 2</a:t>
             </a:r>
             <a:endParaRPr lang="es-CO" dirty="0"/>
@@ -15020,7 +15348,7 @@
           <a:p>
             <a:pPr algn="ctr"/>
             <a:r>
-              <a:rPr lang="es-ES" dirty="0" smtClean="0"/>
+              <a:rPr lang="es-ES" dirty="0"/>
               <a:t>Versión 3</a:t>
             </a:r>
             <a:endParaRPr lang="es-CO" dirty="0"/>
@@ -15155,7 +15483,7 @@
           <a:lstStyle/>
           <a:p>
             <a:r>
-              <a:rPr lang="es-ES" dirty="0" smtClean="0"/>
+              <a:rPr lang="es-ES" dirty="0"/>
               <a:t>Tiempo</a:t>
             </a:r>
             <a:endParaRPr lang="es-CO" dirty="0"/>
@@ -15172,13 +15500,6 @@
   <p:clrMapOvr>
     <a:masterClrMapping/>
   </p:clrMapOvr>
-  <p:timing>
-    <p:tnLst>
-      <p:par>
-        <p:cTn id="1" dur="indefinite" restart="never" nodeType="tmRoot"/>
-      </p:par>
-    </p:tnLst>
-  </p:timing>
 </p:sld>
 </file>
 
@@ -15215,7 +15536,7 @@
           <a:lstStyle/>
           <a:p>
             <a:r>
-              <a:rPr lang="es-ES" dirty="0" smtClean="0"/>
+              <a:rPr lang="es-ES" dirty="0"/>
               <a:t>GIT</a:t>
             </a:r>
             <a:endParaRPr lang="es-CO" dirty="0"/>
@@ -15245,33 +15566,29 @@
           <a:lstStyle/>
           <a:p>
             <a:r>
-              <a:rPr lang="es-ES" dirty="0" smtClean="0"/>
-              <a:t>GIT es el sistema de control de versiones de Linux</a:t>
-            </a:r>
-            <a:r>
-              <a:rPr lang="es-ES" dirty="0" smtClean="0"/>
-              <a:t>. Creado para desarrollar el </a:t>
-            </a:r>
-            <a:r>
-              <a:rPr lang="es-ES" dirty="0" err="1" smtClean="0"/>
+              <a:rPr lang="es-ES" dirty="0"/>
+              <a:t>GIT es el sistema de control de versiones de Linux. Creado para desarrollar el </a:t>
+            </a:r>
+            <a:r>
+              <a:rPr lang="es-ES" dirty="0" err="1"/>
               <a:t>core</a:t>
             </a:r>
             <a:r>
-              <a:rPr lang="es-ES" dirty="0" smtClean="0"/>
+              <a:rPr lang="es-ES" dirty="0"/>
               <a:t> del </a:t>
             </a:r>
             <a:r>
-              <a:rPr lang="es-ES" smtClean="0"/>
+              <a:rPr lang="es-ES"/>
               <a:t>sistema operativo.</a:t>
             </a:r>
-            <a:endParaRPr lang="es-ES" dirty="0" smtClean="0"/>
-          </a:p>
-          <a:p>
             <a:endParaRPr lang="es-ES" dirty="0"/>
           </a:p>
           <a:p>
-            <a:r>
-              <a:rPr lang="es-ES" dirty="0" smtClean="0"/>
+            <a:endParaRPr lang="es-ES" dirty="0"/>
+          </a:p>
+          <a:p>
+            <a:r>
+              <a:rPr lang="es-ES" dirty="0"/>
               <a:t>Por su inmensa acogida es casi un estándar en el desarrollo de software mundialmente.</a:t>
             </a:r>
           </a:p>
@@ -15280,7 +15597,7 @@
           </a:p>
           <a:p>
             <a:r>
-              <a:rPr lang="es-ES" dirty="0" smtClean="0"/>
+              <a:rPr lang="es-ES" dirty="0"/>
               <a:t>Provee eficiencia y confiabilidad sobre la gestión de proyectos con muchos archivos.</a:t>
             </a:r>
           </a:p>
@@ -16973,7 +17290,7 @@
           <a:p>
             <a:pPr algn="ctr"/>
             <a:r>
-              <a:rPr lang="es-ES" dirty="0" smtClean="0"/>
+              <a:rPr lang="es-ES" dirty="0"/>
               <a:t>master</a:t>
             </a:r>
             <a:endParaRPr lang="es-CO" dirty="0"/>
@@ -17004,7 +17321,7 @@
           <a:p>
             <a:pPr algn="ctr"/>
             <a:r>
-              <a:rPr lang="es-ES" dirty="0" err="1" smtClean="0"/>
+              <a:rPr lang="es-ES" dirty="0" err="1"/>
               <a:t>dev</a:t>
             </a:r>
             <a:endParaRPr lang="es-CO" dirty="0"/>
@@ -17035,7 +17352,7 @@
           <a:p>
             <a:pPr algn="ctr"/>
             <a:r>
-              <a:rPr lang="es-ES" dirty="0" smtClean="0"/>
+              <a:rPr lang="es-ES" dirty="0"/>
               <a:t>feat1</a:t>
             </a:r>
             <a:endParaRPr lang="es-CO" dirty="0"/>
@@ -17066,7 +17383,7 @@
           <a:p>
             <a:pPr algn="ctr"/>
             <a:r>
-              <a:rPr lang="es-ES" dirty="0" smtClean="0"/>
+              <a:rPr lang="es-ES" dirty="0"/>
               <a:t>feat2</a:t>
             </a:r>
             <a:endParaRPr lang="es-CO" dirty="0"/>
@@ -17097,7 +17414,7 @@
           <a:p>
             <a:pPr algn="ctr"/>
             <a:r>
-              <a:rPr lang="es-ES" dirty="0" smtClean="0"/>
+              <a:rPr lang="es-ES" dirty="0"/>
               <a:t>feat3</a:t>
             </a:r>
             <a:endParaRPr lang="es-CO" dirty="0"/>
@@ -17155,13 +17472,6 @@
   <p:clrMapOvr>
     <a:masterClrMapping/>
   </p:clrMapOvr>
-  <p:timing>
-    <p:tnLst>
-      <p:par>
-        <p:cTn id="1" dur="indefinite" restart="never" nodeType="tmRoot"/>
-      </p:par>
-    </p:tnLst>
-  </p:timing>
 </p:sld>
 </file>
 
